--- a/final-paper/presentation.pptx
+++ b/final-paper/presentation.pptx
@@ -10,8 +10,10 @@
     <p:sldId id="258" r:id="rId4"/>
     <p:sldId id="259" r:id="rId5"/>
     <p:sldId id="260" r:id="rId6"/>
-    <p:sldId id="261" r:id="rId7"/>
-    <p:sldId id="262" r:id="rId8"/>
+    <p:sldId id="263" r:id="rId7"/>
+    <p:sldId id="264" r:id="rId8"/>
+    <p:sldId id="261" r:id="rId9"/>
+    <p:sldId id="262" r:id="rId10"/>
   </p:sldIdLst>
   <p:sldSz cx="12192000" cy="6858000"/>
   <p:notesSz cx="6858000" cy="9144000"/>
@@ -110,6 +112,11 @@
       </a:defRPr>
     </a:lvl9pPr>
   </p:defaultTextStyle>
+  <p:extLst>
+    <p:ext uri="{EFAFB233-063F-42B5-8137-9DF3F51BA10A}">
+      <p15:sldGuideLst xmlns:p15="http://schemas.microsoft.com/office/powerpoint/2012/main"/>
+    </p:ext>
+  </p:extLst>
 </p:presentation>
 </file>
 
@@ -260,7 +267,7 @@
           <a:p>
             <a:fld id="{C70F2AAC-11D6-4BDF-B217-4752CAD904E1}" type="datetimeFigureOut">
               <a:rPr lang="nl-NL" smtClean="0"/>
-              <a:t>11-4-2020</a:t>
+              <a:t>13-4-2020</a:t>
             </a:fld>
             <a:endParaRPr lang="nl-NL" dirty="0"/>
           </a:p>
@@ -458,7 +465,7 @@
           <a:p>
             <a:fld id="{C70F2AAC-11D6-4BDF-B217-4752CAD904E1}" type="datetimeFigureOut">
               <a:rPr lang="nl-NL" smtClean="0"/>
-              <a:t>11-4-2020</a:t>
+              <a:t>13-4-2020</a:t>
             </a:fld>
             <a:endParaRPr lang="nl-NL" dirty="0"/>
           </a:p>
@@ -666,7 +673,7 @@
           <a:p>
             <a:fld id="{C70F2AAC-11D6-4BDF-B217-4752CAD904E1}" type="datetimeFigureOut">
               <a:rPr lang="nl-NL" smtClean="0"/>
-              <a:t>11-4-2020</a:t>
+              <a:t>13-4-2020</a:t>
             </a:fld>
             <a:endParaRPr lang="nl-NL" dirty="0"/>
           </a:p>
@@ -864,7 +871,7 @@
           <a:p>
             <a:fld id="{C70F2AAC-11D6-4BDF-B217-4752CAD904E1}" type="datetimeFigureOut">
               <a:rPr lang="nl-NL" smtClean="0"/>
-              <a:t>11-4-2020</a:t>
+              <a:t>13-4-2020</a:t>
             </a:fld>
             <a:endParaRPr lang="nl-NL" dirty="0"/>
           </a:p>
@@ -1139,7 +1146,7 @@
           <a:p>
             <a:fld id="{C70F2AAC-11D6-4BDF-B217-4752CAD904E1}" type="datetimeFigureOut">
               <a:rPr lang="nl-NL" smtClean="0"/>
-              <a:t>11-4-2020</a:t>
+              <a:t>13-4-2020</a:t>
             </a:fld>
             <a:endParaRPr lang="nl-NL" dirty="0"/>
           </a:p>
@@ -1404,7 +1411,7 @@
           <a:p>
             <a:fld id="{C70F2AAC-11D6-4BDF-B217-4752CAD904E1}" type="datetimeFigureOut">
               <a:rPr lang="nl-NL" smtClean="0"/>
-              <a:t>11-4-2020</a:t>
+              <a:t>13-4-2020</a:t>
             </a:fld>
             <a:endParaRPr lang="nl-NL" dirty="0"/>
           </a:p>
@@ -1816,7 +1823,7 @@
           <a:p>
             <a:fld id="{C70F2AAC-11D6-4BDF-B217-4752CAD904E1}" type="datetimeFigureOut">
               <a:rPr lang="nl-NL" smtClean="0"/>
-              <a:t>11-4-2020</a:t>
+              <a:t>13-4-2020</a:t>
             </a:fld>
             <a:endParaRPr lang="nl-NL" dirty="0"/>
           </a:p>
@@ -1957,7 +1964,7 @@
           <a:p>
             <a:fld id="{C70F2AAC-11D6-4BDF-B217-4752CAD904E1}" type="datetimeFigureOut">
               <a:rPr lang="nl-NL" smtClean="0"/>
-              <a:t>11-4-2020</a:t>
+              <a:t>13-4-2020</a:t>
             </a:fld>
             <a:endParaRPr lang="nl-NL" dirty="0"/>
           </a:p>
@@ -2070,7 +2077,7 @@
           <a:p>
             <a:fld id="{C70F2AAC-11D6-4BDF-B217-4752CAD904E1}" type="datetimeFigureOut">
               <a:rPr lang="nl-NL" smtClean="0"/>
-              <a:t>11-4-2020</a:t>
+              <a:t>13-4-2020</a:t>
             </a:fld>
             <a:endParaRPr lang="nl-NL" dirty="0"/>
           </a:p>
@@ -2381,7 +2388,7 @@
           <a:p>
             <a:fld id="{C70F2AAC-11D6-4BDF-B217-4752CAD904E1}" type="datetimeFigureOut">
               <a:rPr lang="nl-NL" smtClean="0"/>
-              <a:t>11-4-2020</a:t>
+              <a:t>13-4-2020</a:t>
             </a:fld>
             <a:endParaRPr lang="nl-NL" dirty="0"/>
           </a:p>
@@ -2669,7 +2676,7 @@
           <a:p>
             <a:fld id="{C70F2AAC-11D6-4BDF-B217-4752CAD904E1}" type="datetimeFigureOut">
               <a:rPr lang="nl-NL" smtClean="0"/>
-              <a:t>11-4-2020</a:t>
+              <a:t>13-4-2020</a:t>
             </a:fld>
             <a:endParaRPr lang="nl-NL" dirty="0"/>
           </a:p>
@@ -2910,7 +2917,7 @@
           <a:p>
             <a:fld id="{C70F2AAC-11D6-4BDF-B217-4752CAD904E1}" type="datetimeFigureOut">
               <a:rPr lang="nl-NL" smtClean="0"/>
-              <a:t>11-4-2020</a:t>
+              <a:t>13-4-2020</a:t>
             </a:fld>
             <a:endParaRPr lang="nl-NL" dirty="0"/>
           </a:p>
@@ -6400,6 +6407,232 @@
           </a:p>
         </p:txBody>
       </p:sp>
+      <p:grpSp>
+        <p:nvGrpSpPr>
+          <p:cNvPr id="12" name="Groep 11">
+            <a:extLst>
+              <a:ext uri="{FF2B5EF4-FFF2-40B4-BE49-F238E27FC236}">
+                <a16:creationId xmlns:a16="http://schemas.microsoft.com/office/drawing/2014/main" id="{7DB8DFC1-FB6D-4C04-90AC-85A49236AB8B}"/>
+              </a:ext>
+            </a:extLst>
+          </p:cNvPr>
+          <p:cNvGrpSpPr/>
+          <p:nvPr/>
+        </p:nvGrpSpPr>
+        <p:grpSpPr>
+          <a:xfrm>
+            <a:off x="2457450" y="2147888"/>
+            <a:ext cx="7277099" cy="965200"/>
+            <a:chOff x="2082801" y="1982788"/>
+            <a:chExt cx="7277099" cy="965200"/>
+          </a:xfrm>
+        </p:grpSpPr>
+        <p:sp>
+          <p:nvSpPr>
+            <p:cNvPr id="3" name="Rechthoek 2">
+              <a:extLst>
+                <a:ext uri="{FF2B5EF4-FFF2-40B4-BE49-F238E27FC236}">
+                  <a16:creationId xmlns:a16="http://schemas.microsoft.com/office/drawing/2014/main" id="{649615A9-3F2B-4C20-A38B-9686BF2A2436}"/>
+                </a:ext>
+              </a:extLst>
+            </p:cNvPr>
+            <p:cNvSpPr/>
+            <p:nvPr/>
+          </p:nvSpPr>
+          <p:spPr>
+            <a:xfrm>
+              <a:off x="2082801" y="1982788"/>
+              <a:ext cx="1968500" cy="965200"/>
+            </a:xfrm>
+            <a:prstGeom prst="rect">
+              <a:avLst/>
+            </a:prstGeom>
+          </p:spPr>
+          <p:style>
+            <a:lnRef idx="2">
+              <a:schemeClr val="accent1">
+                <a:shade val="50000"/>
+              </a:schemeClr>
+            </a:lnRef>
+            <a:fillRef idx="1">
+              <a:schemeClr val="accent1"/>
+            </a:fillRef>
+            <a:effectRef idx="0">
+              <a:schemeClr val="accent1"/>
+            </a:effectRef>
+            <a:fontRef idx="minor">
+              <a:schemeClr val="lt1"/>
+            </a:fontRef>
+          </p:style>
+          <p:txBody>
+            <a:bodyPr rtlCol="0" anchor="ctr"/>
+            <a:lstStyle/>
+            <a:p>
+              <a:pPr algn="ctr"/>
+              <a:r>
+                <a:rPr lang="nl-NL" sz="3200" dirty="0"/>
+                <a:t>LeNet-5</a:t>
+              </a:r>
+            </a:p>
+          </p:txBody>
+        </p:sp>
+        <p:sp>
+          <p:nvSpPr>
+            <p:cNvPr id="5" name="Rechthoek 4">
+              <a:extLst>
+                <a:ext uri="{FF2B5EF4-FFF2-40B4-BE49-F238E27FC236}">
+                  <a16:creationId xmlns:a16="http://schemas.microsoft.com/office/drawing/2014/main" id="{222A5233-11A1-4BD0-B5CC-DA6DCCBA4D26}"/>
+                </a:ext>
+              </a:extLst>
+            </p:cNvPr>
+            <p:cNvSpPr/>
+            <p:nvPr/>
+          </p:nvSpPr>
+          <p:spPr>
+            <a:xfrm>
+              <a:off x="4826001" y="1982788"/>
+              <a:ext cx="1968500" cy="965200"/>
+            </a:xfrm>
+            <a:prstGeom prst="rect">
+              <a:avLst/>
+            </a:prstGeom>
+          </p:spPr>
+          <p:style>
+            <a:lnRef idx="2">
+              <a:schemeClr val="accent1">
+                <a:shade val="50000"/>
+              </a:schemeClr>
+            </a:lnRef>
+            <a:fillRef idx="1">
+              <a:schemeClr val="accent1"/>
+            </a:fillRef>
+            <a:effectRef idx="0">
+              <a:schemeClr val="accent1"/>
+            </a:effectRef>
+            <a:fontRef idx="minor">
+              <a:schemeClr val="lt1"/>
+            </a:fontRef>
+          </p:style>
+          <p:txBody>
+            <a:bodyPr rtlCol="0" anchor="ctr"/>
+            <a:lstStyle/>
+            <a:p>
+              <a:pPr algn="ctr"/>
+              <a:r>
+                <a:rPr lang="nl-NL" sz="3200" dirty="0"/>
+                <a:t>VGG16</a:t>
+              </a:r>
+            </a:p>
+          </p:txBody>
+        </p:sp>
+        <p:sp>
+          <p:nvSpPr>
+            <p:cNvPr id="6" name="Rechthoek 5">
+              <a:extLst>
+                <a:ext uri="{FF2B5EF4-FFF2-40B4-BE49-F238E27FC236}">
+                  <a16:creationId xmlns:a16="http://schemas.microsoft.com/office/drawing/2014/main" id="{37C13B36-60B1-40B2-A463-50B552F9EA6E}"/>
+                </a:ext>
+              </a:extLst>
+            </p:cNvPr>
+            <p:cNvSpPr/>
+            <p:nvPr/>
+          </p:nvSpPr>
+          <p:spPr>
+            <a:xfrm>
+              <a:off x="7391400" y="1982788"/>
+              <a:ext cx="1968500" cy="965200"/>
+            </a:xfrm>
+            <a:prstGeom prst="rect">
+              <a:avLst/>
+            </a:prstGeom>
+          </p:spPr>
+          <p:style>
+            <a:lnRef idx="2">
+              <a:schemeClr val="accent1">
+                <a:shade val="50000"/>
+              </a:schemeClr>
+            </a:lnRef>
+            <a:fillRef idx="1">
+              <a:schemeClr val="accent1"/>
+            </a:fillRef>
+            <a:effectRef idx="0">
+              <a:schemeClr val="accent1"/>
+            </a:effectRef>
+            <a:fontRef idx="minor">
+              <a:schemeClr val="lt1"/>
+            </a:fontRef>
+          </p:style>
+          <p:txBody>
+            <a:bodyPr rtlCol="0" anchor="ctr"/>
+            <a:lstStyle/>
+            <a:p>
+              <a:pPr algn="ctr"/>
+              <a:r>
+                <a:rPr lang="nl-NL" sz="3200" dirty="0"/>
+                <a:t>ResNet-50</a:t>
+              </a:r>
+            </a:p>
+          </p:txBody>
+        </p:sp>
+      </p:grpSp>
+    </p:spTree>
+    <p:extLst>
+      <p:ext uri="{BB962C8B-B14F-4D97-AF65-F5344CB8AC3E}">
+        <p14:creationId xmlns:p14="http://schemas.microsoft.com/office/powerpoint/2010/main" val="306564562"/>
+      </p:ext>
+    </p:extLst>
+  </p:cSld>
+  <p:clrMapOvr>
+    <a:masterClrMapping/>
+  </p:clrMapOvr>
+</p:sld>
+</file>
+
+<file path=ppt/slides/slide6.xml><?xml version="1.0" encoding="utf-8"?>
+<p:sld xmlns:a="http://schemas.openxmlformats.org/drawingml/2006/main" xmlns:r="http://schemas.openxmlformats.org/officeDocument/2006/relationships" xmlns:p="http://schemas.openxmlformats.org/presentationml/2006/main">
+  <p:cSld>
+    <p:spTree>
+      <p:nvGrpSpPr>
+        <p:cNvPr id="1" name=""/>
+        <p:cNvGrpSpPr/>
+        <p:nvPr/>
+      </p:nvGrpSpPr>
+      <p:grpSpPr>
+        <a:xfrm>
+          <a:off x="0" y="0"/>
+          <a:ext cx="0" cy="0"/>
+          <a:chOff x="0" y="0"/>
+          <a:chExt cx="0" cy="0"/>
+        </a:xfrm>
+      </p:grpSpPr>
+      <p:sp>
+        <p:nvSpPr>
+          <p:cNvPr id="2" name="Titel 1">
+            <a:extLst>
+              <a:ext uri="{FF2B5EF4-FFF2-40B4-BE49-F238E27FC236}">
+                <a16:creationId xmlns:a16="http://schemas.microsoft.com/office/drawing/2014/main" id="{6B84F9B4-2704-46F6-8343-72C8FF375B3E}"/>
+              </a:ext>
+            </a:extLst>
+          </p:cNvPr>
+          <p:cNvSpPr>
+            <a:spLocks noGrp="1"/>
+          </p:cNvSpPr>
+          <p:nvPr>
+            <p:ph type="title"/>
+          </p:nvPr>
+        </p:nvSpPr>
+        <p:spPr/>
+        <p:txBody>
+          <a:bodyPr/>
+          <a:lstStyle/>
+          <a:p>
+            <a:r>
+              <a:rPr lang="nl-NL" dirty="0"/>
+              <a:t>Experimental procedure/Results</a:t>
+            </a:r>
+          </a:p>
+        </p:txBody>
+      </p:sp>
       <p:graphicFrame>
         <p:nvGraphicFramePr>
           <p:cNvPr id="4" name="Tabel 4">
@@ -6416,14 +6649,14 @@
             <p:ph idx="1"/>
             <p:extLst>
               <p:ext uri="{D42A27DB-BD31-4B8C-83A1-F6EECF244321}">
-                <p14:modId xmlns:p14="http://schemas.microsoft.com/office/powerpoint/2010/main" val="2691926693"/>
+                <p14:modId xmlns:p14="http://schemas.microsoft.com/office/powerpoint/2010/main" val="623611186"/>
               </p:ext>
             </p:extLst>
           </p:nvPr>
         </p:nvGraphicFramePr>
         <p:xfrm>
-          <a:off x="562064" y="1406525"/>
-          <a:ext cx="11109236" cy="5029200"/>
+          <a:off x="476250" y="1219200"/>
+          <a:ext cx="11239499" cy="5334000"/>
         </p:xfrm>
         <a:graphic>
           <a:graphicData uri="http://schemas.openxmlformats.org/drawingml/2006/table">
@@ -6432,31 +6665,24 @@
                 <a:tableStyleId>{5C22544A-7EE6-4342-B048-85BDC9FD1C3A}</a:tableStyleId>
               </a:tblPr>
               <a:tblGrid>
-                <a:gridCol w="5368836">
+                <a:gridCol w="8013700">
                   <a:extLst>
                     <a:ext uri="{9D8B030D-6E8A-4147-A177-3AD203B41FA5}">
                       <a16:colId xmlns:a16="http://schemas.microsoft.com/office/drawing/2014/main" val="4068146730"/>
                     </a:ext>
                   </a:extLst>
                 </a:gridCol>
-                <a:gridCol w="2801634">
+                <a:gridCol w="2565400">
                   <a:extLst>
                     <a:ext uri="{9D8B030D-6E8A-4147-A177-3AD203B41FA5}">
                       <a16:colId xmlns:a16="http://schemas.microsoft.com/office/drawing/2014/main" val="1746833157"/>
                     </a:ext>
                   </a:extLst>
                 </a:gridCol>
-                <a:gridCol w="1729733">
+                <a:gridCol w="660399">
                   <a:extLst>
                     <a:ext uri="{9D8B030D-6E8A-4147-A177-3AD203B41FA5}">
                       <a16:colId xmlns:a16="http://schemas.microsoft.com/office/drawing/2014/main" val="926751783"/>
-                    </a:ext>
-                  </a:extLst>
-                </a:gridCol>
-                <a:gridCol w="1209033">
-                  <a:extLst>
-                    <a:ext uri="{9D8B030D-6E8A-4147-A177-3AD203B41FA5}">
-                      <a16:colId xmlns:a16="http://schemas.microsoft.com/office/drawing/2014/main" val="1265728556"/>
                     </a:ext>
                   </a:extLst>
                 </a:gridCol>
@@ -6468,7 +6694,7 @@
                     <a:lstStyle/>
                     <a:p>
                       <a:r>
-                        <a:rPr lang="nl-NL" dirty="0"/>
+                        <a:rPr lang="nl-NL" sz="2400" dirty="0"/>
                         <a:t>Model architecture</a:t>
                       </a:r>
                     </a:p>
@@ -6481,7 +6707,7 @@
                     <a:lstStyle/>
                     <a:p>
                       <a:r>
-                        <a:rPr lang="nl-NL" dirty="0"/>
+                        <a:rPr lang="nl-NL" sz="2400" dirty="0"/>
                         <a:t>Compiler</a:t>
                       </a:r>
                     </a:p>
@@ -6494,28 +6720,10 @@
                     <a:lstStyle/>
                     <a:p>
                       <a:r>
-                        <a:rPr lang="nl-NL" dirty="0"/>
-                        <a:t>Highest accuracy</a:t>
+                        <a:rPr lang="nl-NL" sz="2400" dirty="0" err="1"/>
+                        <a:t>Acc</a:t>
                       </a:r>
-                    </a:p>
-                  </a:txBody>
-                  <a:tcPr/>
-                </a:tc>
-                <a:tc>
-                  <a:txBody>
-                    <a:bodyPr/>
-                    <a:lstStyle/>
-                    <a:p>
-                      <a:r>
-                        <a:rPr lang="nl-NL" dirty="0"/>
-                        <a:t>Run time</a:t>
-                      </a:r>
-                    </a:p>
-                    <a:p>
-                      <a:r>
-                        <a:rPr lang="nl-NL" dirty="0"/>
-                        <a:t>15 epochs</a:t>
-                      </a:r>
+                      <a:endParaRPr lang="nl-NL" sz="2400" dirty="0"/>
                     </a:p>
                   </a:txBody>
                   <a:tcPr/>
@@ -6538,7 +6746,7 @@
                         </a:spcAft>
                       </a:pPr>
                       <a:r>
-                        <a:rPr lang="en-GB" sz="1600" kern="1200" dirty="0">
+                        <a:rPr lang="en-GB" sz="2000" kern="1200" dirty="0">
                           <a:solidFill>
                             <a:schemeClr val="dk1"/>
                           </a:solidFill>
@@ -6549,7 +6757,7 @@
                         </a:rPr>
                         <a:t>LeNet-5 architecture </a:t>
                       </a:r>
-                      <a:endParaRPr lang="nl-NL" sz="1600" kern="1200" dirty="0">
+                      <a:endParaRPr lang="nl-NL" sz="2000" kern="1200" dirty="0">
                         <a:solidFill>
                           <a:schemeClr val="dk1"/>
                         </a:solidFill>
@@ -6573,7 +6781,7 @@
                         </a:spcAft>
                       </a:pPr>
                       <a:r>
-                        <a:rPr lang="en-GB" sz="1600" kern="1200" dirty="0">
+                        <a:rPr lang="en-GB" sz="2000" kern="1200" dirty="0">
                           <a:solidFill>
                             <a:schemeClr val="dk1"/>
                           </a:solidFill>
@@ -6582,47 +6790,9 @@
                           <a:ea typeface="Calibri" panose="020F0502020204030204" pitchFamily="34" charset="0"/>
                           <a:cs typeface="Times New Roman" panose="02020603050405020304" pitchFamily="18" charset="0"/>
                         </a:rPr>
-                        <a:t>Optimizer = rmsprop</a:t>
+                        <a:t>Rmsprop, accuracy, categorial_crossentropy</a:t>
                       </a:r>
-                    </a:p>
-                    <a:p>
-                      <a:pPr marL="0" algn="l" defTabSz="914400" rtl="0" eaLnBrk="1" latinLnBrk="0" hangingPunct="1">
-                        <a:spcAft>
-                          <a:spcPts val="0"/>
-                        </a:spcAft>
-                      </a:pPr>
-                      <a:r>
-                        <a:rPr lang="en-GB" sz="1600" kern="1200" dirty="0">
-                          <a:solidFill>
-                            <a:schemeClr val="dk1"/>
-                          </a:solidFill>
-                          <a:effectLst/>
-                          <a:latin typeface="Times New Roman" panose="02020603050405020304" pitchFamily="18" charset="0"/>
-                          <a:ea typeface="Calibri" panose="020F0502020204030204" pitchFamily="34" charset="0"/>
-                          <a:cs typeface="Times New Roman" panose="02020603050405020304" pitchFamily="18" charset="0"/>
-                        </a:rPr>
-                        <a:t>Metrics = accuracy</a:t>
-                      </a:r>
-                    </a:p>
-                    <a:p>
-                      <a:pPr marL="0" algn="l" defTabSz="914400" rtl="0" eaLnBrk="1" latinLnBrk="0" hangingPunct="1">
-                        <a:spcAft>
-                          <a:spcPts val="0"/>
-                        </a:spcAft>
-                      </a:pPr>
-                      <a:r>
-                        <a:rPr lang="en-GB" sz="1600" kern="1200" dirty="0">
-                          <a:solidFill>
-                            <a:schemeClr val="dk1"/>
-                          </a:solidFill>
-                          <a:effectLst/>
-                          <a:latin typeface="Times New Roman" panose="02020603050405020304" pitchFamily="18" charset="0"/>
-                          <a:ea typeface="Calibri" panose="020F0502020204030204" pitchFamily="34" charset="0"/>
-                          <a:cs typeface="Times New Roman" panose="02020603050405020304" pitchFamily="18" charset="0"/>
-                        </a:rPr>
-                        <a:t>Loss = categorial_crossentropy</a:t>
-                      </a:r>
-                      <a:endParaRPr lang="nl-NL" sz="1600" kern="1200" dirty="0">
+                      <a:endParaRPr lang="nl-NL" sz="2000" kern="1200" dirty="0">
                         <a:solidFill>
                           <a:schemeClr val="dk1"/>
                         </a:solidFill>
@@ -6646,36 +6816,13 @@
                         </a:spcAft>
                       </a:pPr>
                       <a:r>
-                        <a:rPr lang="nl-NL" sz="1600" dirty="0">
+                        <a:rPr lang="nl-NL" sz="2000" dirty="0">
                           <a:effectLst/>
                           <a:latin typeface="Times New Roman" panose="02020603050405020304" pitchFamily="18" charset="0"/>
                           <a:ea typeface="Calibri" panose="020F0502020204030204" pitchFamily="34" charset="0"/>
                           <a:cs typeface="Times New Roman" panose="02020603050405020304" pitchFamily="18" charset="0"/>
                         </a:rPr>
                         <a:t>0.56</a:t>
-                      </a:r>
-                    </a:p>
-                  </a:txBody>
-                  <a:tcPr marL="68580" marR="68580" marT="0" marB="0"/>
-                </a:tc>
-                <a:tc>
-                  <a:txBody>
-                    <a:bodyPr/>
-                    <a:lstStyle/>
-                    <a:p>
-                      <a:pPr>
-                        <a:spcAft>
-                          <a:spcPts val="0"/>
-                        </a:spcAft>
-                      </a:pPr>
-                      <a:r>
-                        <a:rPr lang="nl-NL" sz="1600" dirty="0">
-                          <a:effectLst/>
-                          <a:latin typeface="Times New Roman" panose="02020603050405020304" pitchFamily="18" charset="0"/>
-                          <a:ea typeface="Calibri" panose="020F0502020204030204" pitchFamily="34" charset="0"/>
-                          <a:cs typeface="Times New Roman" panose="02020603050405020304" pitchFamily="18" charset="0"/>
-                        </a:rPr>
-                        <a:t>120 sec</a:t>
                       </a:r>
                     </a:p>
                   </a:txBody>
@@ -6699,7 +6846,7 @@
                         </a:spcAft>
                       </a:pPr>
                       <a:r>
-                        <a:rPr lang="en-GB" sz="1600" kern="1200" dirty="0">
+                        <a:rPr lang="en-GB" sz="2000" kern="1200" dirty="0">
                           <a:solidFill>
                             <a:schemeClr val="dk1"/>
                           </a:solidFill>
@@ -6710,7 +6857,173 @@
                         </a:rPr>
                         <a:t>LeNet-5 architecture (with batch normalization)</a:t>
                       </a:r>
-                      <a:endParaRPr lang="nl-NL" sz="1600" kern="1200" dirty="0">
+                      <a:endParaRPr lang="nl-NL" sz="2000" kern="1200" dirty="0">
+                        <a:solidFill>
+                          <a:schemeClr val="dk1"/>
+                        </a:solidFill>
+                        <a:effectLst/>
+                        <a:latin typeface="Times New Roman" panose="02020603050405020304" pitchFamily="18" charset="0"/>
+                        <a:ea typeface="Calibri" panose="020F0502020204030204" pitchFamily="34" charset="0"/>
+                        <a:cs typeface="Times New Roman" panose="02020603050405020304" pitchFamily="18" charset="0"/>
+                      </a:endParaRPr>
+                    </a:p>
+                  </a:txBody>
+                  <a:tcPr marL="68580" marR="68580" marT="0" marB="0"/>
+                </a:tc>
+                <a:tc>
+                  <a:txBody>
+                    <a:bodyPr/>
+                    <a:lstStyle/>
+                    <a:p>
+                      <a:pPr marL="0" algn="l" defTabSz="914400" rtl="0" eaLnBrk="1" latinLnBrk="0" hangingPunct="1">
+                        <a:spcAft>
+                          <a:spcPts val="0"/>
+                        </a:spcAft>
+                      </a:pPr>
+                      <a:r>
+                        <a:rPr lang="en-GB" sz="2000" kern="1200" dirty="0">
+                          <a:solidFill>
+                            <a:schemeClr val="dk1"/>
+                          </a:solidFill>
+                          <a:effectLst/>
+                          <a:latin typeface="Times New Roman" panose="02020603050405020304" pitchFamily="18" charset="0"/>
+                          <a:ea typeface="Calibri" panose="020F0502020204030204" pitchFamily="34" charset="0"/>
+                          <a:cs typeface="Times New Roman" panose="02020603050405020304" pitchFamily="18" charset="0"/>
+                        </a:rPr>
+                        <a:t>Rmsprop, accuracy, categorial_crossentropy</a:t>
+                      </a:r>
+                      <a:endParaRPr lang="nl-NL" sz="2000" kern="1200" dirty="0">
+                        <a:solidFill>
+                          <a:schemeClr val="dk1"/>
+                        </a:solidFill>
+                        <a:effectLst/>
+                        <a:latin typeface="Times New Roman" panose="02020603050405020304" pitchFamily="18" charset="0"/>
+                        <a:ea typeface="Calibri" panose="020F0502020204030204" pitchFamily="34" charset="0"/>
+                        <a:cs typeface="Times New Roman" panose="02020603050405020304" pitchFamily="18" charset="0"/>
+                      </a:endParaRPr>
+                    </a:p>
+                  </a:txBody>
+                  <a:tcPr marL="68580" marR="68580" marT="0" marB="0"/>
+                </a:tc>
+                <a:tc>
+                  <a:txBody>
+                    <a:bodyPr/>
+                    <a:lstStyle/>
+                    <a:p>
+                      <a:pPr>
+                        <a:spcAft>
+                          <a:spcPts val="0"/>
+                        </a:spcAft>
+                      </a:pPr>
+                      <a:r>
+                        <a:rPr lang="nl-NL" sz="2000" dirty="0">
+                          <a:effectLst/>
+                          <a:latin typeface="Times New Roman" panose="02020603050405020304" pitchFamily="18" charset="0"/>
+                          <a:ea typeface="Calibri" panose="020F0502020204030204" pitchFamily="34" charset="0"/>
+                          <a:cs typeface="Times New Roman" panose="02020603050405020304" pitchFamily="18" charset="0"/>
+                        </a:rPr>
+                        <a:t>0.54</a:t>
+                      </a:r>
+                    </a:p>
+                  </a:txBody>
+                  <a:tcPr marL="68580" marR="68580" marT="0" marB="0"/>
+                </a:tc>
+                <a:extLst>
+                  <a:ext uri="{0D108BD9-81ED-4DB2-BD59-A6C34878D82A}">
+                    <a16:rowId xmlns:a16="http://schemas.microsoft.com/office/drawing/2014/main" val="214787949"/>
+                  </a:ext>
+                </a:extLst>
+              </a:tr>
+              <a:tr h="370840">
+                <a:tc>
+                  <a:txBody>
+                    <a:bodyPr/>
+                    <a:lstStyle/>
+                    <a:p>
+                      <a:pPr marL="0" algn="l" defTabSz="914400" rtl="0" eaLnBrk="1" latinLnBrk="0" hangingPunct="1">
+                        <a:spcAft>
+                          <a:spcPts val="0"/>
+                        </a:spcAft>
+                      </a:pPr>
+                      <a:r>
+                        <a:rPr lang="en-GB" sz="2000" kern="1200" dirty="0">
+                          <a:solidFill>
+                            <a:schemeClr val="dk1"/>
+                          </a:solidFill>
+                          <a:effectLst/>
+                          <a:latin typeface="Times New Roman" panose="02020603050405020304" pitchFamily="18" charset="0"/>
+                          <a:ea typeface="Calibri" panose="020F0502020204030204" pitchFamily="34" charset="0"/>
+                          <a:cs typeface="Times New Roman" panose="02020603050405020304" pitchFamily="18" charset="0"/>
+                        </a:rPr>
+                        <a:t>Modified LeNet-5 architecture </a:t>
+                      </a:r>
+                    </a:p>
+                    <a:p>
+                      <a:pPr marL="0" algn="l" defTabSz="914400" rtl="0" eaLnBrk="1" latinLnBrk="0" hangingPunct="1">
+                        <a:spcAft>
+                          <a:spcPts val="0"/>
+                        </a:spcAft>
+                      </a:pPr>
+                      <a:r>
+                        <a:rPr lang="en-GB" sz="2000" kern="1200" dirty="0" err="1">
+                          <a:solidFill>
+                            <a:schemeClr val="dk1"/>
+                          </a:solidFill>
+                          <a:effectLst/>
+                          <a:latin typeface="Times New Roman" panose="02020603050405020304" pitchFamily="18" charset="0"/>
+                          <a:ea typeface="Calibri" panose="020F0502020204030204" pitchFamily="34" charset="0"/>
+                          <a:cs typeface="Times New Roman" panose="02020603050405020304" pitchFamily="18" charset="0"/>
+                        </a:rPr>
+                        <a:t>Sithungu</a:t>
+                      </a:r>
+                      <a:r>
+                        <a:rPr lang="en-GB" sz="2000" kern="1200" dirty="0">
+                          <a:solidFill>
+                            <a:schemeClr val="dk1"/>
+                          </a:solidFill>
+                          <a:effectLst/>
+                          <a:latin typeface="Times New Roman" panose="02020603050405020304" pitchFamily="18" charset="0"/>
+                          <a:ea typeface="Calibri" panose="020F0502020204030204" pitchFamily="34" charset="0"/>
+                          <a:cs typeface="Times New Roman" panose="02020603050405020304" pitchFamily="18" charset="0"/>
+                        </a:rPr>
+                        <a:t> and Van der Haar (2019)</a:t>
+                      </a:r>
+                      <a:endParaRPr lang="nl-NL" sz="2000" kern="1200" dirty="0">
+                        <a:solidFill>
+                          <a:schemeClr val="dk1"/>
+                        </a:solidFill>
+                        <a:effectLst/>
+                        <a:latin typeface="Times New Roman" panose="02020603050405020304" pitchFamily="18" charset="0"/>
+                        <a:ea typeface="Calibri" panose="020F0502020204030204" pitchFamily="34" charset="0"/>
+                        <a:cs typeface="Times New Roman" panose="02020603050405020304" pitchFamily="18" charset="0"/>
+                      </a:endParaRPr>
+                    </a:p>
+                  </a:txBody>
+                  <a:tcPr marL="68580" marR="68580" marT="0" marB="0"/>
+                </a:tc>
+                <a:tc>
+                  <a:txBody>
+                    <a:bodyPr/>
+                    <a:lstStyle/>
+                    <a:p>
+                      <a:pPr marL="0" algn="l" defTabSz="914400" rtl="0" eaLnBrk="1" latinLnBrk="0" hangingPunct="1">
+                        <a:spcAft>
+                          <a:spcPts val="0"/>
+                        </a:spcAft>
+                      </a:pPr>
+                      <a:r>
+                        <a:rPr lang="en-GB" sz="2000" kern="1200" dirty="0">
+                          <a:solidFill>
+                            <a:schemeClr val="dk1"/>
+                          </a:solidFill>
+                          <a:effectLst/>
+                          <a:latin typeface="Times New Roman" panose="02020603050405020304" pitchFamily="18" charset="0"/>
+                          <a:ea typeface="Calibri" panose="020F0502020204030204" pitchFamily="34" charset="0"/>
+                          <a:cs typeface="Times New Roman" panose="02020603050405020304" pitchFamily="18" charset="0"/>
+                        </a:rPr>
+                        <a:t>Rmsprop, accuracy, categorial_crossentropy</a:t>
+                      </a:r>
+                      <a:endParaRPr lang="nl-NL" sz="2000" kern="1200" dirty="0">
                         <a:solidFill>
                           <a:schemeClr val="dk1"/>
                         </a:solidFill>
@@ -6746,7 +7059,37 @@
                         <a:defRPr/>
                       </a:pPr>
                       <a:r>
-                        <a:rPr lang="en-GB" sz="1600" kern="1200" noProof="0" dirty="0">
+                        <a:rPr lang="nl-NL" sz="2000" dirty="0">
+                          <a:effectLst/>
+                          <a:latin typeface="Times New Roman" panose="02020603050405020304" pitchFamily="18" charset="0"/>
+                          <a:ea typeface="Calibri" panose="020F0502020204030204" pitchFamily="34" charset="0"/>
+                          <a:cs typeface="Times New Roman" panose="02020603050405020304" pitchFamily="18" charset="0"/>
+                        </a:rPr>
+                        <a:t>0.56</a:t>
+                      </a:r>
+                    </a:p>
+                  </a:txBody>
+                  <a:tcPr marL="68580" marR="68580" marT="0" marB="0"/>
+                </a:tc>
+                <a:extLst>
+                  <a:ext uri="{0D108BD9-81ED-4DB2-BD59-A6C34878D82A}">
+                    <a16:rowId xmlns:a16="http://schemas.microsoft.com/office/drawing/2014/main" val="714787532"/>
+                  </a:ext>
+                </a:extLst>
+              </a:tr>
+              <a:tr h="370840">
+                <a:tc>
+                  <a:txBody>
+                    <a:bodyPr/>
+                    <a:lstStyle/>
+                    <a:p>
+                      <a:pPr marL="0" algn="l" defTabSz="914400" rtl="0" eaLnBrk="1" latinLnBrk="0" hangingPunct="1">
+                        <a:spcAft>
+                          <a:spcPts val="0"/>
+                        </a:spcAft>
+                      </a:pPr>
+                      <a:r>
+                        <a:rPr lang="en-GB" sz="2000" kern="1200" dirty="0">
                           <a:solidFill>
                             <a:schemeClr val="dk1"/>
                           </a:solidFill>
@@ -6755,29 +7098,33 @@
                           <a:ea typeface="Calibri" panose="020F0502020204030204" pitchFamily="34" charset="0"/>
                           <a:cs typeface="Times New Roman" panose="02020603050405020304" pitchFamily="18" charset="0"/>
                         </a:rPr>
-                        <a:t>Optimizer = rmsprop</a:t>
+                        <a:t>VGG16 (imagenet/non-trainable) + trainable 3 dense (512, 512, 7).</a:t>
                       </a:r>
+                      <a:endParaRPr lang="nl-NL" sz="2000" kern="1200" dirty="0">
+                        <a:solidFill>
+                          <a:schemeClr val="dk1"/>
+                        </a:solidFill>
+                        <a:effectLst/>
+                        <a:latin typeface="Times New Roman" panose="02020603050405020304" pitchFamily="18" charset="0"/>
+                        <a:ea typeface="Calibri" panose="020F0502020204030204" pitchFamily="34" charset="0"/>
+                        <a:cs typeface="Times New Roman" panose="02020603050405020304" pitchFamily="18" charset="0"/>
+                      </a:endParaRPr>
                     </a:p>
+                  </a:txBody>
+                  <a:tcPr marL="68580" marR="68580" marT="0" marB="0"/>
+                </a:tc>
+                <a:tc>
+                  <a:txBody>
+                    <a:bodyPr/>
+                    <a:lstStyle/>
                     <a:p>
-                      <a:pPr marL="0" marR="0" lvl="0" indent="0" algn="l" defTabSz="914400" rtl="0" eaLnBrk="1" fontAlgn="auto" latinLnBrk="0" hangingPunct="1">
-                        <a:lnSpc>
-                          <a:spcPct val="100000"/>
-                        </a:lnSpc>
-                        <a:spcBef>
-                          <a:spcPts val="0"/>
-                        </a:spcBef>
+                      <a:pPr marL="0" algn="l" defTabSz="914400" rtl="0" eaLnBrk="1" latinLnBrk="0" hangingPunct="1">
                         <a:spcAft>
                           <a:spcPts val="0"/>
                         </a:spcAft>
-                        <a:buClrTx/>
-                        <a:buSzTx/>
-                        <a:buFontTx/>
-                        <a:buNone/>
-                        <a:tabLst/>
-                        <a:defRPr/>
                       </a:pPr>
                       <a:r>
-                        <a:rPr lang="en-GB" sz="1600" kern="1200" noProof="0" dirty="0">
+                        <a:rPr lang="en-GB" sz="2000" kern="1200" dirty="0">
                           <a:solidFill>
                             <a:schemeClr val="dk1"/>
                           </a:solidFill>
@@ -6786,40 +7133,9 @@
                           <a:ea typeface="Calibri" panose="020F0502020204030204" pitchFamily="34" charset="0"/>
                           <a:cs typeface="Times New Roman" panose="02020603050405020304" pitchFamily="18" charset="0"/>
                         </a:rPr>
-                        <a:t>Metrics = accuracy</a:t>
+                        <a:t>Rmsprop, accuracy, categorial_crossentropy</a:t>
                       </a:r>
-                    </a:p>
-                    <a:p>
-                      <a:pPr marL="0" marR="0" lvl="0" indent="0" algn="l" defTabSz="914400" rtl="0" eaLnBrk="1" fontAlgn="auto" latinLnBrk="0" hangingPunct="1">
-                        <a:lnSpc>
-                          <a:spcPct val="100000"/>
-                        </a:lnSpc>
-                        <a:spcBef>
-                          <a:spcPts val="0"/>
-                        </a:spcBef>
-                        <a:spcAft>
-                          <a:spcPts val="0"/>
-                        </a:spcAft>
-                        <a:buClrTx/>
-                        <a:buSzTx/>
-                        <a:buFontTx/>
-                        <a:buNone/>
-                        <a:tabLst/>
-                        <a:defRPr/>
-                      </a:pPr>
-                      <a:r>
-                        <a:rPr lang="en-GB" sz="1600" kern="1200" noProof="0" dirty="0">
-                          <a:solidFill>
-                            <a:schemeClr val="dk1"/>
-                          </a:solidFill>
-                          <a:effectLst/>
-                          <a:latin typeface="Times New Roman" panose="02020603050405020304" pitchFamily="18" charset="0"/>
-                          <a:ea typeface="Calibri" panose="020F0502020204030204" pitchFamily="34" charset="0"/>
-                          <a:cs typeface="Times New Roman" panose="02020603050405020304" pitchFamily="18" charset="0"/>
-                        </a:rPr>
-                        <a:t>Loss = categorial_crossentropy</a:t>
-                      </a:r>
-                      <a:endParaRPr lang="nl-NL" sz="1600" kern="1200" noProof="0" dirty="0">
+                      <a:endParaRPr lang="nl-NL" sz="2000" kern="1200" dirty="0">
                         <a:solidFill>
                           <a:schemeClr val="dk1"/>
                         </a:solidFill>
@@ -6843,14 +7159,91 @@
                         </a:spcAft>
                       </a:pPr>
                       <a:r>
-                        <a:rPr lang="nl-NL" sz="1600" dirty="0">
+                        <a:rPr lang="nl-NL" sz="2000" dirty="0">
                           <a:effectLst/>
                           <a:latin typeface="Times New Roman" panose="02020603050405020304" pitchFamily="18" charset="0"/>
                           <a:ea typeface="Calibri" panose="020F0502020204030204" pitchFamily="34" charset="0"/>
                           <a:cs typeface="Times New Roman" panose="02020603050405020304" pitchFamily="18" charset="0"/>
                         </a:rPr>
-                        <a:t>0.54</a:t>
+                        <a:t>0.49</a:t>
                       </a:r>
+                    </a:p>
+                  </a:txBody>
+                  <a:tcPr marL="68580" marR="68580" marT="0" marB="0"/>
+                </a:tc>
+                <a:extLst>
+                  <a:ext uri="{0D108BD9-81ED-4DB2-BD59-A6C34878D82A}">
+                    <a16:rowId xmlns:a16="http://schemas.microsoft.com/office/drawing/2014/main" val="2724054222"/>
+                  </a:ext>
+                </a:extLst>
+              </a:tr>
+              <a:tr h="370840">
+                <a:tc>
+                  <a:txBody>
+                    <a:bodyPr/>
+                    <a:lstStyle/>
+                    <a:p>
+                      <a:pPr marL="0" algn="l" defTabSz="914400" rtl="0" eaLnBrk="1" latinLnBrk="0" hangingPunct="1">
+                        <a:spcAft>
+                          <a:spcPts val="0"/>
+                        </a:spcAft>
+                      </a:pPr>
+                      <a:r>
+                        <a:rPr lang="en-GB" sz="2000" kern="1200" dirty="0">
+                          <a:solidFill>
+                            <a:schemeClr val="dk1"/>
+                          </a:solidFill>
+                          <a:effectLst/>
+                          <a:latin typeface="Times New Roman" panose="02020603050405020304" pitchFamily="18" charset="0"/>
+                          <a:ea typeface="Calibri" panose="020F0502020204030204" pitchFamily="34" charset="0"/>
+                          <a:cs typeface="Times New Roman" panose="02020603050405020304" pitchFamily="18" charset="0"/>
+                        </a:rPr>
+                        <a:t>ResNet-50 (imagenet/non-trainable) +  GlobalAveragePooling2D + dense (7)</a:t>
+                      </a:r>
+                      <a:endParaRPr lang="nl-NL" sz="2000" kern="1200" dirty="0">
+                        <a:solidFill>
+                          <a:schemeClr val="dk1"/>
+                        </a:solidFill>
+                        <a:effectLst/>
+                        <a:latin typeface="Times New Roman" panose="02020603050405020304" pitchFamily="18" charset="0"/>
+                        <a:ea typeface="Calibri" panose="020F0502020204030204" pitchFamily="34" charset="0"/>
+                        <a:cs typeface="Times New Roman" panose="02020603050405020304" pitchFamily="18" charset="0"/>
+                      </a:endParaRPr>
+                    </a:p>
+                  </a:txBody>
+                  <a:tcPr marL="68580" marR="68580" marT="0" marB="0"/>
+                </a:tc>
+                <a:tc>
+                  <a:txBody>
+                    <a:bodyPr/>
+                    <a:lstStyle/>
+                    <a:p>
+                      <a:pPr marL="0" algn="l" defTabSz="914400" rtl="0" eaLnBrk="1" latinLnBrk="0" hangingPunct="1">
+                        <a:spcAft>
+                          <a:spcPts val="0"/>
+                        </a:spcAft>
+                      </a:pPr>
+                      <a:r>
+                        <a:rPr lang="en-GB" sz="2000" kern="1200" dirty="0">
+                          <a:solidFill>
+                            <a:schemeClr val="dk1"/>
+                          </a:solidFill>
+                          <a:effectLst/>
+                          <a:latin typeface="Times New Roman" panose="02020603050405020304" pitchFamily="18" charset="0"/>
+                          <a:ea typeface="Calibri" panose="020F0502020204030204" pitchFamily="34" charset="0"/>
+                          <a:cs typeface="Times New Roman" panose="02020603050405020304" pitchFamily="18" charset="0"/>
+                        </a:rPr>
+                        <a:t>Adam, accuracy, categorial_crossentropy</a:t>
+                      </a:r>
+                      <a:endParaRPr lang="nl-NL" sz="2000" kern="1200" dirty="0">
+                        <a:solidFill>
+                          <a:schemeClr val="dk1"/>
+                        </a:solidFill>
+                        <a:effectLst/>
+                        <a:latin typeface="Times New Roman" panose="02020603050405020304" pitchFamily="18" charset="0"/>
+                        <a:ea typeface="Calibri" panose="020F0502020204030204" pitchFamily="34" charset="0"/>
+                        <a:cs typeface="Times New Roman" panose="02020603050405020304" pitchFamily="18" charset="0"/>
+                      </a:endParaRPr>
                     </a:p>
                   </a:txBody>
                   <a:tcPr marL="68580" marR="68580" marT="0" marB="0"/>
@@ -6866,13 +7259,13 @@
                         </a:spcAft>
                       </a:pPr>
                       <a:r>
-                        <a:rPr lang="nl-NL" sz="1600" dirty="0">
+                        <a:rPr lang="nl-NL" sz="2000" dirty="0">
                           <a:effectLst/>
                           <a:latin typeface="Times New Roman" panose="02020603050405020304" pitchFamily="18" charset="0"/>
                           <a:ea typeface="Calibri" panose="020F0502020204030204" pitchFamily="34" charset="0"/>
                           <a:cs typeface="Times New Roman" panose="02020603050405020304" pitchFamily="18" charset="0"/>
                         </a:rPr>
-                        <a:t>180 sec</a:t>
+                        <a:t>0.15</a:t>
                       </a:r>
                     </a:p>
                   </a:txBody>
@@ -6880,7 +7273,7 @@
                 </a:tc>
                 <a:extLst>
                   <a:ext uri="{0D108BD9-81ED-4DB2-BD59-A6C34878D82A}">
-                    <a16:rowId xmlns:a16="http://schemas.microsoft.com/office/drawing/2014/main" val="214787949"/>
+                    <a16:rowId xmlns:a16="http://schemas.microsoft.com/office/drawing/2014/main" val="4143321142"/>
                   </a:ext>
                 </a:extLst>
               </a:tr>
@@ -6896,7 +7289,7 @@
                         </a:spcAft>
                       </a:pPr>
                       <a:r>
-                        <a:rPr lang="en-GB" sz="1600" kern="1200" dirty="0">
+                        <a:rPr lang="en-GB" sz="2000" kern="1200" dirty="0">
                           <a:solidFill>
                             <a:schemeClr val="dk1"/>
                           </a:solidFill>
@@ -6905,16 +7298,9 @@
                           <a:ea typeface="Calibri" panose="020F0502020204030204" pitchFamily="34" charset="0"/>
                           <a:cs typeface="Times New Roman" panose="02020603050405020304" pitchFamily="18" charset="0"/>
                         </a:rPr>
-                        <a:t>Modified LeNet-5 architecture </a:t>
+                        <a:t>ResNet-50 (no weights/trainable) + GlobalAveragePooling2D + dense (7)</a:t>
                       </a:r>
-                    </a:p>
-                    <a:p>
-                      <a:pPr marL="0" algn="l" defTabSz="914400" rtl="0" eaLnBrk="1" latinLnBrk="0" hangingPunct="1">
-                        <a:spcAft>
-                          <a:spcPts val="0"/>
-                        </a:spcAft>
-                      </a:pPr>
-                      <a:endParaRPr lang="en-GB" sz="1600" kern="1200" dirty="0">
+                      <a:endParaRPr lang="nl-NL" sz="2000" kern="1200" dirty="0">
                         <a:solidFill>
                           <a:schemeClr val="dk1"/>
                         </a:solidFill>
@@ -6924,6 +7310,13 @@
                         <a:cs typeface="Times New Roman" panose="02020603050405020304" pitchFamily="18" charset="0"/>
                       </a:endParaRPr>
                     </a:p>
+                  </a:txBody>
+                  <a:tcPr marL="68580" marR="68580" marT="0" marB="0"/>
+                </a:tc>
+                <a:tc>
+                  <a:txBody>
+                    <a:bodyPr/>
+                    <a:lstStyle/>
                     <a:p>
                       <a:pPr marL="0" algn="l" defTabSz="914400" rtl="0" eaLnBrk="1" latinLnBrk="0" hangingPunct="1">
                         <a:spcAft>
@@ -6931,7 +7324,7 @@
                         </a:spcAft>
                       </a:pPr>
                       <a:r>
-                        <a:rPr lang="en-GB" sz="1600" kern="1200" dirty="0">
+                        <a:rPr lang="en-GB" sz="2000" kern="1200" dirty="0">
                           <a:solidFill>
                             <a:schemeClr val="dk1"/>
                           </a:solidFill>
@@ -6940,9 +7333,74 @@
                           <a:ea typeface="Calibri" panose="020F0502020204030204" pitchFamily="34" charset="0"/>
                           <a:cs typeface="Times New Roman" panose="02020603050405020304" pitchFamily="18" charset="0"/>
                         </a:rPr>
-                        <a:t>Sithungu and Van der Haar (2019)</a:t>
+                        <a:t>Adam, accuracy, categorial_crossentropy</a:t>
                       </a:r>
-                      <a:endParaRPr lang="nl-NL" sz="1600" kern="1200" dirty="0">
+                      <a:endParaRPr lang="nl-NL" sz="2000" kern="1200" dirty="0">
+                        <a:solidFill>
+                          <a:schemeClr val="dk1"/>
+                        </a:solidFill>
+                        <a:effectLst/>
+                        <a:latin typeface="Times New Roman" panose="02020603050405020304" pitchFamily="18" charset="0"/>
+                        <a:ea typeface="Calibri" panose="020F0502020204030204" pitchFamily="34" charset="0"/>
+                        <a:cs typeface="Times New Roman" panose="02020603050405020304" pitchFamily="18" charset="0"/>
+                      </a:endParaRPr>
+                    </a:p>
+                  </a:txBody>
+                  <a:tcPr marL="68580" marR="68580" marT="0" marB="0"/>
+                </a:tc>
+                <a:tc>
+                  <a:txBody>
+                    <a:bodyPr/>
+                    <a:lstStyle/>
+                    <a:p>
+                      <a:pPr>
+                        <a:spcAft>
+                          <a:spcPts val="0"/>
+                        </a:spcAft>
+                      </a:pPr>
+                      <a:r>
+                        <a:rPr lang="nl-NL" sz="2000" dirty="0">
+                          <a:effectLst/>
+                          <a:latin typeface="Times New Roman" panose="02020603050405020304" pitchFamily="18" charset="0"/>
+                          <a:ea typeface="Calibri" panose="020F0502020204030204" pitchFamily="34" charset="0"/>
+                          <a:cs typeface="Times New Roman" panose="02020603050405020304" pitchFamily="18" charset="0"/>
+                        </a:rPr>
+                        <a:t>0.51</a:t>
+                      </a:r>
+                    </a:p>
+                  </a:txBody>
+                  <a:tcPr marL="68580" marR="68580" marT="0" marB="0"/>
+                </a:tc>
+                <a:extLst>
+                  <a:ext uri="{0D108BD9-81ED-4DB2-BD59-A6C34878D82A}">
+                    <a16:rowId xmlns:a16="http://schemas.microsoft.com/office/drawing/2014/main" val="1989281241"/>
+                  </a:ext>
+                </a:extLst>
+              </a:tr>
+              <a:tr h="370840">
+                <a:tc>
+                  <a:txBody>
+                    <a:bodyPr/>
+                    <a:lstStyle/>
+                    <a:p>
+                      <a:pPr marL="0" algn="l" defTabSz="914400" rtl="0" eaLnBrk="1" latinLnBrk="0" hangingPunct="1">
+                        <a:spcAft>
+                          <a:spcPts val="0"/>
+                        </a:spcAft>
+                      </a:pPr>
+                      <a:r>
+                        <a:rPr lang="en-GB" sz="2000" kern="1200" dirty="0">
+                          <a:solidFill>
+                            <a:schemeClr val="dk1"/>
+                          </a:solidFill>
+                          <a:effectLst/>
+                          <a:latin typeface="Times New Roman" panose="02020603050405020304" pitchFamily="18" charset="0"/>
+                          <a:ea typeface="Calibri" panose="020F0502020204030204" pitchFamily="34" charset="0"/>
+                          <a:cs typeface="Times New Roman" panose="02020603050405020304" pitchFamily="18" charset="0"/>
+                        </a:rPr>
+                        <a:t>ResNet-50 (imagenet/trainable)  +  GlobalAveragePooling2D + dense (7)</a:t>
+                      </a:r>
+                      <a:endParaRPr lang="nl-NL" sz="2000" kern="1200" dirty="0">
                         <a:solidFill>
                           <a:schemeClr val="dk1"/>
                         </a:solidFill>
@@ -6978,7 +7436,7 @@
                         <a:defRPr/>
                       </a:pPr>
                       <a:r>
-                        <a:rPr lang="en-GB" sz="1600" kern="1200" noProof="0" dirty="0">
+                        <a:rPr lang="en-GB" sz="2000" kern="1200" dirty="0">
                           <a:solidFill>
                             <a:schemeClr val="dk1"/>
                           </a:solidFill>
@@ -6987,71 +7445,9 @@
                           <a:ea typeface="Calibri" panose="020F0502020204030204" pitchFamily="34" charset="0"/>
                           <a:cs typeface="Times New Roman" panose="02020603050405020304" pitchFamily="18" charset="0"/>
                         </a:rPr>
-                        <a:t>Optimizer = rmsprop</a:t>
+                        <a:t>Adam, accuracy, categorial_crossentropy</a:t>
                       </a:r>
-                    </a:p>
-                    <a:p>
-                      <a:pPr marL="0" marR="0" lvl="0" indent="0" algn="l" defTabSz="914400" rtl="0" eaLnBrk="1" fontAlgn="auto" latinLnBrk="0" hangingPunct="1">
-                        <a:lnSpc>
-                          <a:spcPct val="100000"/>
-                        </a:lnSpc>
-                        <a:spcBef>
-                          <a:spcPts val="0"/>
-                        </a:spcBef>
-                        <a:spcAft>
-                          <a:spcPts val="0"/>
-                        </a:spcAft>
-                        <a:buClrTx/>
-                        <a:buSzTx/>
-                        <a:buFontTx/>
-                        <a:buNone/>
-                        <a:tabLst/>
-                        <a:defRPr/>
-                      </a:pPr>
-                      <a:r>
-                        <a:rPr lang="en-GB" sz="1600" kern="1200" noProof="0" dirty="0">
-                          <a:solidFill>
-                            <a:schemeClr val="dk1"/>
-                          </a:solidFill>
-                          <a:effectLst/>
-                          <a:latin typeface="Times New Roman" panose="02020603050405020304" pitchFamily="18" charset="0"/>
-                          <a:ea typeface="Calibri" panose="020F0502020204030204" pitchFamily="34" charset="0"/>
-                          <a:cs typeface="Times New Roman" panose="02020603050405020304" pitchFamily="18" charset="0"/>
-                        </a:rPr>
-                        <a:t>Metrics = accuracy</a:t>
-                      </a:r>
-                    </a:p>
-                    <a:p>
-                      <a:pPr marL="0" marR="0" lvl="0" indent="0" algn="l" defTabSz="914400" rtl="0" eaLnBrk="1" fontAlgn="auto" latinLnBrk="0" hangingPunct="1">
-                        <a:lnSpc>
-                          <a:spcPct val="100000"/>
-                        </a:lnSpc>
-                        <a:spcBef>
-                          <a:spcPts val="0"/>
-                        </a:spcBef>
-                        <a:spcAft>
-                          <a:spcPts val="0"/>
-                        </a:spcAft>
-                        <a:buClrTx/>
-                        <a:buSzTx/>
-                        <a:buFontTx/>
-                        <a:buNone/>
-                        <a:tabLst/>
-                        <a:defRPr/>
-                      </a:pPr>
-                      <a:r>
-                        <a:rPr lang="en-GB" sz="1600" kern="1200" noProof="0" dirty="0">
-                          <a:solidFill>
-                            <a:schemeClr val="dk1"/>
-                          </a:solidFill>
-                          <a:effectLst/>
-                          <a:latin typeface="Times New Roman" panose="02020603050405020304" pitchFamily="18" charset="0"/>
-                          <a:ea typeface="Calibri" panose="020F0502020204030204" pitchFamily="34" charset="0"/>
-                          <a:cs typeface="Times New Roman" panose="02020603050405020304" pitchFamily="18" charset="0"/>
-                        </a:rPr>
-                        <a:t>Loss = categorial_crossentropy</a:t>
-                      </a:r>
-                      <a:endParaRPr lang="nl-NL" sz="1600" kern="1200" noProof="0" dirty="0">
+                      <a:endParaRPr lang="nl-NL" sz="2000" kern="1200" dirty="0">
                         <a:solidFill>
                           <a:schemeClr val="dk1"/>
                         </a:solidFill>
@@ -7069,31 +7465,76 @@
                     <a:bodyPr/>
                     <a:lstStyle/>
                     <a:p>
-                      <a:pPr marL="0" marR="0" lvl="0" indent="0" algn="l" defTabSz="914400" rtl="0" eaLnBrk="1" fontAlgn="auto" latinLnBrk="0" hangingPunct="1">
-                        <a:lnSpc>
-                          <a:spcPct val="100000"/>
-                        </a:lnSpc>
-                        <a:spcBef>
-                          <a:spcPts val="0"/>
-                        </a:spcBef>
+                      <a:pPr>
                         <a:spcAft>
                           <a:spcPts val="0"/>
                         </a:spcAft>
-                        <a:buClrTx/>
-                        <a:buSzTx/>
-                        <a:buFontTx/>
-                        <a:buNone/>
-                        <a:tabLst/>
-                        <a:defRPr/>
                       </a:pPr>
                       <a:r>
-                        <a:rPr lang="nl-NL" sz="1600" dirty="0">
+                        <a:rPr lang="nl-NL" sz="2000" dirty="0">
                           <a:effectLst/>
                           <a:latin typeface="Times New Roman" panose="02020603050405020304" pitchFamily="18" charset="0"/>
                           <a:ea typeface="Calibri" panose="020F0502020204030204" pitchFamily="34" charset="0"/>
                           <a:cs typeface="Times New Roman" panose="02020603050405020304" pitchFamily="18" charset="0"/>
                         </a:rPr>
                         <a:t>0.56</a:t>
+                      </a:r>
+                    </a:p>
+                  </a:txBody>
+                  <a:tcPr marL="68580" marR="68580" marT="0" marB="0"/>
+                </a:tc>
+                <a:extLst>
+                  <a:ext uri="{0D108BD9-81ED-4DB2-BD59-A6C34878D82A}">
+                    <a16:rowId xmlns:a16="http://schemas.microsoft.com/office/drawing/2014/main" val="4044947921"/>
+                  </a:ext>
+                </a:extLst>
+              </a:tr>
+              <a:tr h="370840">
+                <a:tc>
+                  <a:txBody>
+                    <a:bodyPr/>
+                    <a:lstStyle/>
+                    <a:p>
+                      <a:pPr marL="0" algn="l" defTabSz="914400" rtl="0" eaLnBrk="1" latinLnBrk="0" hangingPunct="1">
+                        <a:spcAft>
+                          <a:spcPts val="0"/>
+                        </a:spcAft>
+                      </a:pPr>
+                      <a:r>
+                        <a:rPr lang="nl-NL" sz="2000" kern="1200" dirty="0">
+                          <a:solidFill>
+                            <a:schemeClr val="dk1"/>
+                          </a:solidFill>
+                          <a:effectLst/>
+                          <a:latin typeface="Times New Roman" panose="02020603050405020304" pitchFamily="18" charset="0"/>
+                          <a:ea typeface="Calibri" panose="020F0502020204030204" pitchFamily="34" charset="0"/>
+                          <a:cs typeface="Times New Roman" panose="02020603050405020304" pitchFamily="18" charset="0"/>
+                        </a:rPr>
+                        <a:t>ResNet-50 (imagenet/non-</a:t>
+                      </a:r>
+                      <a:r>
+                        <a:rPr lang="nl-NL" sz="2000" kern="1200" dirty="0" err="1">
+                          <a:solidFill>
+                            <a:schemeClr val="dk1"/>
+                          </a:solidFill>
+                          <a:effectLst/>
+                          <a:latin typeface="Times New Roman" panose="02020603050405020304" pitchFamily="18" charset="0"/>
+                          <a:ea typeface="Calibri" panose="020F0502020204030204" pitchFamily="34" charset="0"/>
+                          <a:cs typeface="Times New Roman" panose="02020603050405020304" pitchFamily="18" charset="0"/>
+                        </a:rPr>
+                        <a:t>trainable</a:t>
+                      </a:r>
+                      <a:r>
+                        <a:rPr lang="nl-NL" sz="2000" kern="1200" dirty="0">
+                          <a:solidFill>
+                            <a:schemeClr val="dk1"/>
+                          </a:solidFill>
+                          <a:effectLst/>
+                          <a:latin typeface="Times New Roman" panose="02020603050405020304" pitchFamily="18" charset="0"/>
+                          <a:ea typeface="Calibri" panose="020F0502020204030204" pitchFamily="34" charset="0"/>
+                          <a:cs typeface="Times New Roman" panose="02020603050405020304" pitchFamily="18" charset="0"/>
+                        </a:rPr>
+                        <a:t>) + GlobalAveragePooling2D + dense (512, 512, 7) </a:t>
                       </a:r>
                     </a:p>
                   </a:txBody>
@@ -7122,37 +7563,7 @@
                         <a:defRPr/>
                       </a:pPr>
                       <a:r>
-                        <a:rPr lang="nl-NL" sz="1600" dirty="0">
-                          <a:effectLst/>
-                          <a:latin typeface="Times New Roman" panose="02020603050405020304" pitchFamily="18" charset="0"/>
-                          <a:ea typeface="Calibri" panose="020F0502020204030204" pitchFamily="34" charset="0"/>
-                          <a:cs typeface="Times New Roman" panose="02020603050405020304" pitchFamily="18" charset="0"/>
-                        </a:rPr>
-                        <a:t>30 min</a:t>
-                      </a:r>
-                    </a:p>
-                  </a:txBody>
-                  <a:tcPr marL="68580" marR="68580" marT="0" marB="0"/>
-                </a:tc>
-                <a:extLst>
-                  <a:ext uri="{0D108BD9-81ED-4DB2-BD59-A6C34878D82A}">
-                    <a16:rowId xmlns:a16="http://schemas.microsoft.com/office/drawing/2014/main" val="714787532"/>
-                  </a:ext>
-                </a:extLst>
-              </a:tr>
-              <a:tr h="370840">
-                <a:tc>
-                  <a:txBody>
-                    <a:bodyPr/>
-                    <a:lstStyle/>
-                    <a:p>
-                      <a:pPr marL="0" algn="l" defTabSz="914400" rtl="0" eaLnBrk="1" latinLnBrk="0" hangingPunct="1">
-                        <a:spcAft>
-                          <a:spcPts val="0"/>
-                        </a:spcAft>
-                      </a:pPr>
-                      <a:r>
-                        <a:rPr lang="en-GB" sz="1600" kern="1200" dirty="0">
+                        <a:rPr lang="en-GB" sz="2000" kern="1200" dirty="0">
                           <a:solidFill>
                             <a:schemeClr val="dk1"/>
                           </a:solidFill>
@@ -7161,118 +7572,9 @@
                           <a:ea typeface="Calibri" panose="020F0502020204030204" pitchFamily="34" charset="0"/>
                           <a:cs typeface="Times New Roman" panose="02020603050405020304" pitchFamily="18" charset="0"/>
                         </a:rPr>
-                        <a:t>VGG16 (weights = ‘imagenet’, include_top = False, layers set to non-trainable) and adding trainable three dense layers (512, 512, 7).</a:t>
+                        <a:t>Adam, accuracy, categorial_crossentropy</a:t>
                       </a:r>
-                      <a:endParaRPr lang="nl-NL" sz="1600" kern="1200" dirty="0">
-                        <a:solidFill>
-                          <a:schemeClr val="dk1"/>
-                        </a:solidFill>
-                        <a:effectLst/>
-                        <a:latin typeface="Times New Roman" panose="02020603050405020304" pitchFamily="18" charset="0"/>
-                        <a:ea typeface="Calibri" panose="020F0502020204030204" pitchFamily="34" charset="0"/>
-                        <a:cs typeface="Times New Roman" panose="02020603050405020304" pitchFamily="18" charset="0"/>
-                      </a:endParaRPr>
-                    </a:p>
-                  </a:txBody>
-                  <a:tcPr marL="68580" marR="68580" marT="0" marB="0"/>
-                </a:tc>
-                <a:tc>
-                  <a:txBody>
-                    <a:bodyPr/>
-                    <a:lstStyle/>
-                    <a:p>
-                      <a:pPr marL="0" marR="0" lvl="0" indent="0" algn="l" defTabSz="914400" rtl="0" eaLnBrk="1" fontAlgn="auto" latinLnBrk="0" hangingPunct="1">
-                        <a:lnSpc>
-                          <a:spcPct val="100000"/>
-                        </a:lnSpc>
-                        <a:spcBef>
-                          <a:spcPts val="0"/>
-                        </a:spcBef>
-                        <a:spcAft>
-                          <a:spcPts val="0"/>
-                        </a:spcAft>
-                        <a:buClrTx/>
-                        <a:buSzTx/>
-                        <a:buFontTx/>
-                        <a:buNone/>
-                        <a:tabLst/>
-                        <a:defRPr/>
-                      </a:pPr>
-                      <a:r>
-                        <a:rPr lang="en-GB" sz="1600" kern="1200" noProof="0" dirty="0">
-                          <a:solidFill>
-                            <a:schemeClr val="dk1"/>
-                          </a:solidFill>
-                          <a:effectLst/>
-                          <a:latin typeface="Times New Roman" panose="02020603050405020304" pitchFamily="18" charset="0"/>
-                          <a:ea typeface="Calibri" panose="020F0502020204030204" pitchFamily="34" charset="0"/>
-                          <a:cs typeface="Times New Roman" panose="02020603050405020304" pitchFamily="18" charset="0"/>
-                        </a:rPr>
-                        <a:t>Optimizer = rmsprop</a:t>
-                      </a:r>
-                    </a:p>
-                    <a:p>
-                      <a:pPr marL="0" marR="0" lvl="0" indent="0" algn="l" defTabSz="914400" rtl="0" eaLnBrk="1" fontAlgn="auto" latinLnBrk="0" hangingPunct="1">
-                        <a:lnSpc>
-                          <a:spcPct val="100000"/>
-                        </a:lnSpc>
-                        <a:spcBef>
-                          <a:spcPts val="0"/>
-                        </a:spcBef>
-                        <a:spcAft>
-                          <a:spcPts val="0"/>
-                        </a:spcAft>
-                        <a:buClrTx/>
-                        <a:buSzTx/>
-                        <a:buFontTx/>
-                        <a:buNone/>
-                        <a:tabLst/>
-                        <a:defRPr/>
-                      </a:pPr>
-                      <a:r>
-                        <a:rPr lang="en-GB" sz="1600" kern="1200" noProof="0" dirty="0">
-                          <a:solidFill>
-                            <a:schemeClr val="dk1"/>
-                          </a:solidFill>
-                          <a:effectLst/>
-                          <a:latin typeface="Times New Roman" panose="02020603050405020304" pitchFamily="18" charset="0"/>
-                          <a:ea typeface="Calibri" panose="020F0502020204030204" pitchFamily="34" charset="0"/>
-                          <a:cs typeface="Times New Roman" panose="02020603050405020304" pitchFamily="18" charset="0"/>
-                        </a:rPr>
-                        <a:t>Metrics = accuracy</a:t>
-                      </a:r>
-                    </a:p>
-                    <a:p>
-                      <a:pPr marL="0" marR="0" lvl="0" indent="0" algn="l" defTabSz="914400" rtl="0" eaLnBrk="1" fontAlgn="auto" latinLnBrk="0" hangingPunct="1">
-                        <a:lnSpc>
-                          <a:spcPct val="100000"/>
-                        </a:lnSpc>
-                        <a:spcBef>
-                          <a:spcPts val="0"/>
-                        </a:spcBef>
-                        <a:spcAft>
-                          <a:spcPts val="0"/>
-                        </a:spcAft>
-                        <a:buClrTx/>
-                        <a:buSzTx/>
-                        <a:buFontTx/>
-                        <a:buNone/>
-                        <a:tabLst/>
-                        <a:defRPr/>
-                      </a:pPr>
-                      <a:r>
-                        <a:rPr lang="en-GB" sz="1600" kern="1200" noProof="0" dirty="0">
-                          <a:solidFill>
-                            <a:schemeClr val="dk1"/>
-                          </a:solidFill>
-                          <a:effectLst/>
-                          <a:latin typeface="Times New Roman" panose="02020603050405020304" pitchFamily="18" charset="0"/>
-                          <a:ea typeface="Calibri" panose="020F0502020204030204" pitchFamily="34" charset="0"/>
-                          <a:cs typeface="Times New Roman" panose="02020603050405020304" pitchFamily="18" charset="0"/>
-                        </a:rPr>
-                        <a:t>Loss = categorial_crossentropy</a:t>
-                      </a:r>
-                      <a:endParaRPr lang="nl-NL" sz="1600" kern="1200" noProof="0" dirty="0">
+                      <a:endParaRPr lang="nl-NL" sz="2000" kern="1200" dirty="0">
                         <a:solidFill>
                           <a:schemeClr val="dk1"/>
                         </a:solidFill>
@@ -7296,36 +7598,13 @@
                         </a:spcAft>
                       </a:pPr>
                       <a:r>
-                        <a:rPr lang="nl-NL" sz="1600" dirty="0">
+                        <a:rPr lang="nl-NL" sz="2000" dirty="0">
                           <a:effectLst/>
                           <a:latin typeface="Times New Roman" panose="02020603050405020304" pitchFamily="18" charset="0"/>
                           <a:ea typeface="Calibri" panose="020F0502020204030204" pitchFamily="34" charset="0"/>
                           <a:cs typeface="Times New Roman" panose="02020603050405020304" pitchFamily="18" charset="0"/>
                         </a:rPr>
-                        <a:t>0.49</a:t>
-                      </a:r>
-                    </a:p>
-                  </a:txBody>
-                  <a:tcPr marL="68580" marR="68580" marT="0" marB="0"/>
-                </a:tc>
-                <a:tc>
-                  <a:txBody>
-                    <a:bodyPr/>
-                    <a:lstStyle/>
-                    <a:p>
-                      <a:pPr>
-                        <a:spcAft>
-                          <a:spcPts val="0"/>
-                        </a:spcAft>
-                      </a:pPr>
-                      <a:r>
-                        <a:rPr lang="nl-NL" sz="1600" dirty="0">
-                          <a:effectLst/>
-                          <a:latin typeface="Times New Roman" panose="02020603050405020304" pitchFamily="18" charset="0"/>
-                          <a:ea typeface="Calibri" panose="020F0502020204030204" pitchFamily="34" charset="0"/>
-                          <a:cs typeface="Times New Roman" panose="02020603050405020304" pitchFamily="18" charset="0"/>
-                        </a:rPr>
-                        <a:t>7 hours</a:t>
+                        <a:t>0.14</a:t>
                       </a:r>
                     </a:p>
                   </a:txBody>
@@ -7333,329 +7612,7 @@
                 </a:tc>
                 <a:extLst>
                   <a:ext uri="{0D108BD9-81ED-4DB2-BD59-A6C34878D82A}">
-                    <a16:rowId xmlns:a16="http://schemas.microsoft.com/office/drawing/2014/main" val="2724054222"/>
-                  </a:ext>
-                </a:extLst>
-              </a:tr>
-              <a:tr h="370840">
-                <a:tc>
-                  <a:txBody>
-                    <a:bodyPr/>
-                    <a:lstStyle/>
-                    <a:p>
-                      <a:pPr marL="0" algn="l" defTabSz="914400" rtl="0" eaLnBrk="1" latinLnBrk="0" hangingPunct="1">
-                        <a:spcAft>
-                          <a:spcPts val="0"/>
-                        </a:spcAft>
-                      </a:pPr>
-                      <a:r>
-                        <a:rPr lang="en-GB" sz="1600" kern="1200" dirty="0">
-                          <a:solidFill>
-                            <a:schemeClr val="dk1"/>
-                          </a:solidFill>
-                          <a:effectLst/>
-                          <a:latin typeface="Times New Roman" panose="02020603050405020304" pitchFamily="18" charset="0"/>
-                          <a:ea typeface="Calibri" panose="020F0502020204030204" pitchFamily="34" charset="0"/>
-                          <a:cs typeface="Times New Roman" panose="02020603050405020304" pitchFamily="18" charset="0"/>
-                        </a:rPr>
-                        <a:t>ResNet-50 (weights = ‘imagenet’, include_top = False, layers set to non-trainable) and adding GlobalAveragePooling2D and output dense layer with 7 nodes.</a:t>
-                      </a:r>
-                      <a:endParaRPr lang="nl-NL" sz="1600" kern="1200" dirty="0">
-                        <a:solidFill>
-                          <a:schemeClr val="dk1"/>
-                        </a:solidFill>
-                        <a:effectLst/>
-                        <a:latin typeface="Times New Roman" panose="02020603050405020304" pitchFamily="18" charset="0"/>
-                        <a:ea typeface="Calibri" panose="020F0502020204030204" pitchFamily="34" charset="0"/>
-                        <a:cs typeface="Times New Roman" panose="02020603050405020304" pitchFamily="18" charset="0"/>
-                      </a:endParaRPr>
-                    </a:p>
-                  </a:txBody>
-                  <a:tcPr marL="68580" marR="68580" marT="0" marB="0"/>
-                </a:tc>
-                <a:tc>
-                  <a:txBody>
-                    <a:bodyPr/>
-                    <a:lstStyle/>
-                    <a:p>
-                      <a:pPr marL="0" algn="l" defTabSz="914400" rtl="0" eaLnBrk="1" latinLnBrk="0" hangingPunct="1">
-                        <a:spcAft>
-                          <a:spcPts val="0"/>
-                        </a:spcAft>
-                      </a:pPr>
-                      <a:r>
-                        <a:rPr lang="en-GB" sz="1600" kern="1200" dirty="0">
-                          <a:solidFill>
-                            <a:schemeClr val="dk1"/>
-                          </a:solidFill>
-                          <a:effectLst/>
-                          <a:latin typeface="Times New Roman" panose="02020603050405020304" pitchFamily="18" charset="0"/>
-                          <a:ea typeface="Calibri" panose="020F0502020204030204" pitchFamily="34" charset="0"/>
-                          <a:cs typeface="Times New Roman" panose="02020603050405020304" pitchFamily="18" charset="0"/>
-                        </a:rPr>
-                        <a:t>Optimizer = adam</a:t>
-                      </a:r>
-                    </a:p>
-                    <a:p>
-                      <a:pPr marL="0" algn="l" defTabSz="914400" rtl="0" eaLnBrk="1" latinLnBrk="0" hangingPunct="1">
-                        <a:spcAft>
-                          <a:spcPts val="0"/>
-                        </a:spcAft>
-                      </a:pPr>
-                      <a:r>
-                        <a:rPr lang="en-GB" sz="1600" kern="1200" dirty="0">
-                          <a:solidFill>
-                            <a:schemeClr val="dk1"/>
-                          </a:solidFill>
-                          <a:effectLst/>
-                          <a:latin typeface="Times New Roman" panose="02020603050405020304" pitchFamily="18" charset="0"/>
-                          <a:ea typeface="Calibri" panose="020F0502020204030204" pitchFamily="34" charset="0"/>
-                          <a:cs typeface="Times New Roman" panose="02020603050405020304" pitchFamily="18" charset="0"/>
-                        </a:rPr>
-                        <a:t>Metrics = accuracy</a:t>
-                      </a:r>
-                    </a:p>
-                    <a:p>
-                      <a:pPr marL="0" algn="l" defTabSz="914400" rtl="0" eaLnBrk="1" latinLnBrk="0" hangingPunct="1">
-                        <a:spcAft>
-                          <a:spcPts val="0"/>
-                        </a:spcAft>
-                      </a:pPr>
-                      <a:r>
-                        <a:rPr lang="en-GB" sz="1600" kern="1200" dirty="0">
-                          <a:solidFill>
-                            <a:schemeClr val="dk1"/>
-                          </a:solidFill>
-                          <a:effectLst/>
-                          <a:latin typeface="Times New Roman" panose="02020603050405020304" pitchFamily="18" charset="0"/>
-                          <a:ea typeface="Calibri" panose="020F0502020204030204" pitchFamily="34" charset="0"/>
-                          <a:cs typeface="Times New Roman" panose="02020603050405020304" pitchFamily="18" charset="0"/>
-                        </a:rPr>
-                        <a:t>Loss = categorial_crossentropy</a:t>
-                      </a:r>
-                      <a:endParaRPr lang="nl-NL" sz="1600" kern="1200" dirty="0">
-                        <a:solidFill>
-                          <a:schemeClr val="dk1"/>
-                        </a:solidFill>
-                        <a:effectLst/>
-                        <a:latin typeface="Times New Roman" panose="02020603050405020304" pitchFamily="18" charset="0"/>
-                        <a:ea typeface="Calibri" panose="020F0502020204030204" pitchFamily="34" charset="0"/>
-                        <a:cs typeface="Times New Roman" panose="02020603050405020304" pitchFamily="18" charset="0"/>
-                      </a:endParaRPr>
-                    </a:p>
-                  </a:txBody>
-                  <a:tcPr marL="68580" marR="68580" marT="0" marB="0"/>
-                </a:tc>
-                <a:tc>
-                  <a:txBody>
-                    <a:bodyPr/>
-                    <a:lstStyle/>
-                    <a:p>
-                      <a:pPr>
-                        <a:spcAft>
-                          <a:spcPts val="0"/>
-                        </a:spcAft>
-                      </a:pPr>
-                      <a:r>
-                        <a:rPr lang="nl-NL" sz="1600" dirty="0">
-                          <a:effectLst/>
-                          <a:latin typeface="Times New Roman" panose="02020603050405020304" pitchFamily="18" charset="0"/>
-                          <a:ea typeface="Calibri" panose="020F0502020204030204" pitchFamily="34" charset="0"/>
-                          <a:cs typeface="Times New Roman" panose="02020603050405020304" pitchFamily="18" charset="0"/>
-                        </a:rPr>
-                        <a:t>0.15</a:t>
-                      </a:r>
-                    </a:p>
-                  </a:txBody>
-                  <a:tcPr marL="68580" marR="68580" marT="0" marB="0"/>
-                </a:tc>
-                <a:tc>
-                  <a:txBody>
-                    <a:bodyPr/>
-                    <a:lstStyle/>
-                    <a:p>
-                      <a:pPr>
-                        <a:spcAft>
-                          <a:spcPts val="0"/>
-                        </a:spcAft>
-                      </a:pPr>
-                      <a:r>
-                        <a:rPr lang="nl-NL" sz="1600" dirty="0">
-                          <a:effectLst/>
-                          <a:latin typeface="Times New Roman" panose="02020603050405020304" pitchFamily="18" charset="0"/>
-                          <a:ea typeface="Calibri" panose="020F0502020204030204" pitchFamily="34" charset="0"/>
-                          <a:cs typeface="Times New Roman" panose="02020603050405020304" pitchFamily="18" charset="0"/>
-                        </a:rPr>
-                        <a:t>8 hours</a:t>
-                      </a:r>
-                    </a:p>
-                  </a:txBody>
-                  <a:tcPr marL="68580" marR="68580" marT="0" marB="0"/>
-                </a:tc>
-                <a:extLst>
-                  <a:ext uri="{0D108BD9-81ED-4DB2-BD59-A6C34878D82A}">
-                    <a16:rowId xmlns:a16="http://schemas.microsoft.com/office/drawing/2014/main" val="4143321142"/>
-                  </a:ext>
-                </a:extLst>
-              </a:tr>
-              <a:tr h="370840">
-                <a:tc>
-                  <a:txBody>
-                    <a:bodyPr/>
-                    <a:lstStyle/>
-                    <a:p>
-                      <a:pPr marL="0" algn="l" defTabSz="914400" rtl="0" eaLnBrk="1" latinLnBrk="0" hangingPunct="1">
-                        <a:spcAft>
-                          <a:spcPts val="0"/>
-                        </a:spcAft>
-                      </a:pPr>
-                      <a:r>
-                        <a:rPr lang="en-GB" sz="1600" kern="1200" dirty="0">
-                          <a:solidFill>
-                            <a:schemeClr val="dk1"/>
-                          </a:solidFill>
-                          <a:effectLst/>
-                          <a:latin typeface="Times New Roman" panose="02020603050405020304" pitchFamily="18" charset="0"/>
-                          <a:ea typeface="Calibri" panose="020F0502020204030204" pitchFamily="34" charset="0"/>
-                          <a:cs typeface="Times New Roman" panose="02020603050405020304" pitchFamily="18" charset="0"/>
-                        </a:rPr>
-                        <a:t>ResNet-50 (weights = ‘None’, include_top = False, layers set to trainable) and adding GlobalAveragePooling2D and output dense layer with 7 nodes.</a:t>
-                      </a:r>
-                      <a:endParaRPr lang="nl-NL" sz="1600" kern="1200" dirty="0">
-                        <a:solidFill>
-                          <a:schemeClr val="dk1"/>
-                        </a:solidFill>
-                        <a:effectLst/>
-                        <a:latin typeface="Times New Roman" panose="02020603050405020304" pitchFamily="18" charset="0"/>
-                        <a:ea typeface="Calibri" panose="020F0502020204030204" pitchFamily="34" charset="0"/>
-                        <a:cs typeface="Times New Roman" panose="02020603050405020304" pitchFamily="18" charset="0"/>
-                      </a:endParaRPr>
-                    </a:p>
-                  </a:txBody>
-                  <a:tcPr marL="68580" marR="68580" marT="0" marB="0"/>
-                </a:tc>
-                <a:tc>
-                  <a:txBody>
-                    <a:bodyPr/>
-                    <a:lstStyle/>
-                    <a:p>
-                      <a:pPr marL="0" algn="l" defTabSz="914400" rtl="0" eaLnBrk="1" latinLnBrk="0" hangingPunct="1">
-                        <a:spcAft>
-                          <a:spcPts val="0"/>
-                        </a:spcAft>
-                      </a:pPr>
-                      <a:r>
-                        <a:rPr lang="en-GB" sz="1600" kern="1200" dirty="0">
-                          <a:solidFill>
-                            <a:schemeClr val="dk1"/>
-                          </a:solidFill>
-                          <a:effectLst/>
-                          <a:latin typeface="Times New Roman" panose="02020603050405020304" pitchFamily="18" charset="0"/>
-                          <a:ea typeface="Calibri" panose="020F0502020204030204" pitchFamily="34" charset="0"/>
-                          <a:cs typeface="Times New Roman" panose="02020603050405020304" pitchFamily="18" charset="0"/>
-                        </a:rPr>
-                        <a:t>Optimizer = adam</a:t>
-                      </a:r>
-                    </a:p>
-                    <a:p>
-                      <a:pPr marL="0" algn="l" defTabSz="914400" rtl="0" eaLnBrk="1" latinLnBrk="0" hangingPunct="1">
-                        <a:spcAft>
-                          <a:spcPts val="0"/>
-                        </a:spcAft>
-                      </a:pPr>
-                      <a:r>
-                        <a:rPr lang="en-GB" sz="1600" kern="1200" dirty="0">
-                          <a:solidFill>
-                            <a:schemeClr val="dk1"/>
-                          </a:solidFill>
-                          <a:effectLst/>
-                          <a:latin typeface="Times New Roman" panose="02020603050405020304" pitchFamily="18" charset="0"/>
-                          <a:ea typeface="Calibri" panose="020F0502020204030204" pitchFamily="34" charset="0"/>
-                          <a:cs typeface="Times New Roman" panose="02020603050405020304" pitchFamily="18" charset="0"/>
-                        </a:rPr>
-                        <a:t>Metrics = accuracy</a:t>
-                      </a:r>
-                    </a:p>
-                    <a:p>
-                      <a:pPr marL="0" algn="l" defTabSz="914400" rtl="0" eaLnBrk="1" latinLnBrk="0" hangingPunct="1">
-                        <a:spcAft>
-                          <a:spcPts val="0"/>
-                        </a:spcAft>
-                      </a:pPr>
-                      <a:r>
-                        <a:rPr lang="en-GB" sz="1600" kern="1200" dirty="0">
-                          <a:solidFill>
-                            <a:schemeClr val="dk1"/>
-                          </a:solidFill>
-                          <a:effectLst/>
-                          <a:latin typeface="Times New Roman" panose="02020603050405020304" pitchFamily="18" charset="0"/>
-                          <a:ea typeface="Calibri" panose="020F0502020204030204" pitchFamily="34" charset="0"/>
-                          <a:cs typeface="Times New Roman" panose="02020603050405020304" pitchFamily="18" charset="0"/>
-                        </a:rPr>
-                        <a:t>Loss = categorial_crossentropy</a:t>
-                      </a:r>
-                      <a:endParaRPr lang="nl-NL" sz="1600" kern="1200" dirty="0">
-                        <a:solidFill>
-                          <a:schemeClr val="dk1"/>
-                        </a:solidFill>
-                        <a:effectLst/>
-                        <a:latin typeface="Times New Roman" panose="02020603050405020304" pitchFamily="18" charset="0"/>
-                        <a:ea typeface="Calibri" panose="020F0502020204030204" pitchFamily="34" charset="0"/>
-                        <a:cs typeface="Times New Roman" panose="02020603050405020304" pitchFamily="18" charset="0"/>
-                      </a:endParaRPr>
-                    </a:p>
-                  </a:txBody>
-                  <a:tcPr marL="68580" marR="68580" marT="0" marB="0"/>
-                </a:tc>
-                <a:tc>
-                  <a:txBody>
-                    <a:bodyPr/>
-                    <a:lstStyle/>
-                    <a:p>
-                      <a:pPr>
-                        <a:spcAft>
-                          <a:spcPts val="0"/>
-                        </a:spcAft>
-                      </a:pPr>
-                      <a:r>
-                        <a:rPr lang="nl-NL" sz="1600" dirty="0">
-                          <a:effectLst/>
-                          <a:latin typeface="Times New Roman" panose="02020603050405020304" pitchFamily="18" charset="0"/>
-                          <a:ea typeface="Calibri" panose="020F0502020204030204" pitchFamily="34" charset="0"/>
-                          <a:cs typeface="Times New Roman" panose="02020603050405020304" pitchFamily="18" charset="0"/>
-                        </a:rPr>
-                        <a:t>0.51</a:t>
-                      </a:r>
-                    </a:p>
-                  </a:txBody>
-                  <a:tcPr marL="68580" marR="68580" marT="0" marB="0"/>
-                </a:tc>
-                <a:tc>
-                  <a:txBody>
-                    <a:bodyPr/>
-                    <a:lstStyle/>
-                    <a:p>
-                      <a:pPr>
-                        <a:spcAft>
-                          <a:spcPts val="0"/>
-                        </a:spcAft>
-                      </a:pPr>
-                      <a:r>
-                        <a:rPr lang="nl-NL" sz="1600" dirty="0">
-                          <a:effectLst/>
-                          <a:latin typeface="Times New Roman" panose="02020603050405020304" pitchFamily="18" charset="0"/>
-                          <a:ea typeface="Calibri" panose="020F0502020204030204" pitchFamily="34" charset="0"/>
-                          <a:cs typeface="Times New Roman" panose="02020603050405020304" pitchFamily="18" charset="0"/>
-                        </a:rPr>
-                        <a:t>22 hours</a:t>
-                      </a:r>
-                    </a:p>
-                  </a:txBody>
-                  <a:tcPr marL="68580" marR="68580" marT="0" marB="0"/>
-                </a:tc>
-                <a:extLst>
-                  <a:ext uri="{0D108BD9-81ED-4DB2-BD59-A6C34878D82A}">
-                    <a16:rowId xmlns:a16="http://schemas.microsoft.com/office/drawing/2014/main" val="1989281241"/>
+                    <a16:rowId xmlns:a16="http://schemas.microsoft.com/office/drawing/2014/main" val="3966423020"/>
                   </a:ext>
                 </a:extLst>
               </a:tr>
@@ -7666,7 +7623,7 @@
     </p:spTree>
     <p:extLst>
       <p:ext uri="{BB962C8B-B14F-4D97-AF65-F5344CB8AC3E}">
-        <p14:creationId xmlns:p14="http://schemas.microsoft.com/office/powerpoint/2010/main" val="306564562"/>
+        <p14:creationId xmlns:p14="http://schemas.microsoft.com/office/powerpoint/2010/main" val="28311290"/>
       </p:ext>
     </p:extLst>
   </p:cSld>
@@ -7676,7 +7633,539 @@
 </p:sld>
 </file>
 
-<file path=ppt/slides/slide6.xml><?xml version="1.0" encoding="utf-8"?>
+<file path=ppt/slides/slide7.xml><?xml version="1.0" encoding="utf-8"?>
+<p:sld xmlns:a="http://schemas.openxmlformats.org/drawingml/2006/main" xmlns:r="http://schemas.openxmlformats.org/officeDocument/2006/relationships" xmlns:p="http://schemas.openxmlformats.org/presentationml/2006/main">
+  <p:cSld>
+    <p:spTree>
+      <p:nvGrpSpPr>
+        <p:cNvPr id="1" name=""/>
+        <p:cNvGrpSpPr/>
+        <p:nvPr/>
+      </p:nvGrpSpPr>
+      <p:grpSpPr>
+        <a:xfrm>
+          <a:off x="0" y="0"/>
+          <a:ext cx="0" cy="0"/>
+          <a:chOff x="0" y="0"/>
+          <a:chExt cx="0" cy="0"/>
+        </a:xfrm>
+      </p:grpSpPr>
+      <p:sp>
+        <p:nvSpPr>
+          <p:cNvPr id="2" name="Titel 1">
+            <a:extLst>
+              <a:ext uri="{FF2B5EF4-FFF2-40B4-BE49-F238E27FC236}">
+                <a16:creationId xmlns:a16="http://schemas.microsoft.com/office/drawing/2014/main" id="{6B84F9B4-2704-46F6-8343-72C8FF375B3E}"/>
+              </a:ext>
+            </a:extLst>
+          </p:cNvPr>
+          <p:cNvSpPr>
+            <a:spLocks noGrp="1"/>
+          </p:cNvSpPr>
+          <p:nvPr>
+            <p:ph type="title"/>
+          </p:nvPr>
+        </p:nvSpPr>
+        <p:spPr/>
+        <p:txBody>
+          <a:bodyPr/>
+          <a:lstStyle/>
+          <a:p>
+            <a:r>
+              <a:rPr lang="nl-NL" dirty="0"/>
+              <a:t>Experimental procedure/Results</a:t>
+            </a:r>
+          </a:p>
+        </p:txBody>
+      </p:sp>
+      <p:grpSp>
+        <p:nvGrpSpPr>
+          <p:cNvPr id="12" name="Groep 11">
+            <a:extLst>
+              <a:ext uri="{FF2B5EF4-FFF2-40B4-BE49-F238E27FC236}">
+                <a16:creationId xmlns:a16="http://schemas.microsoft.com/office/drawing/2014/main" id="{7DB8DFC1-FB6D-4C04-90AC-85A49236AB8B}"/>
+              </a:ext>
+            </a:extLst>
+          </p:cNvPr>
+          <p:cNvGrpSpPr/>
+          <p:nvPr/>
+        </p:nvGrpSpPr>
+        <p:grpSpPr>
+          <a:xfrm>
+            <a:off x="2457450" y="2147888"/>
+            <a:ext cx="7277099" cy="965200"/>
+            <a:chOff x="2082801" y="1982788"/>
+            <a:chExt cx="7277099" cy="965200"/>
+          </a:xfrm>
+        </p:grpSpPr>
+        <p:sp>
+          <p:nvSpPr>
+            <p:cNvPr id="3" name="Rechthoek 2">
+              <a:extLst>
+                <a:ext uri="{FF2B5EF4-FFF2-40B4-BE49-F238E27FC236}">
+                  <a16:creationId xmlns:a16="http://schemas.microsoft.com/office/drawing/2014/main" id="{649615A9-3F2B-4C20-A38B-9686BF2A2436}"/>
+                </a:ext>
+              </a:extLst>
+            </p:cNvPr>
+            <p:cNvSpPr/>
+            <p:nvPr/>
+          </p:nvSpPr>
+          <p:spPr>
+            <a:xfrm>
+              <a:off x="2082801" y="1982788"/>
+              <a:ext cx="1968500" cy="965200"/>
+            </a:xfrm>
+            <a:prstGeom prst="rect">
+              <a:avLst/>
+            </a:prstGeom>
+          </p:spPr>
+          <p:style>
+            <a:lnRef idx="2">
+              <a:schemeClr val="accent1">
+                <a:shade val="50000"/>
+              </a:schemeClr>
+            </a:lnRef>
+            <a:fillRef idx="1">
+              <a:schemeClr val="accent1"/>
+            </a:fillRef>
+            <a:effectRef idx="0">
+              <a:schemeClr val="accent1"/>
+            </a:effectRef>
+            <a:fontRef idx="minor">
+              <a:schemeClr val="lt1"/>
+            </a:fontRef>
+          </p:style>
+          <p:txBody>
+            <a:bodyPr rtlCol="0" anchor="ctr"/>
+            <a:lstStyle/>
+            <a:p>
+              <a:pPr algn="ctr"/>
+              <a:r>
+                <a:rPr lang="nl-NL" sz="3200" dirty="0"/>
+                <a:t>LeNet-5</a:t>
+              </a:r>
+            </a:p>
+          </p:txBody>
+        </p:sp>
+        <p:sp>
+          <p:nvSpPr>
+            <p:cNvPr id="5" name="Rechthoek 4">
+              <a:extLst>
+                <a:ext uri="{FF2B5EF4-FFF2-40B4-BE49-F238E27FC236}">
+                  <a16:creationId xmlns:a16="http://schemas.microsoft.com/office/drawing/2014/main" id="{222A5233-11A1-4BD0-B5CC-DA6DCCBA4D26}"/>
+                </a:ext>
+              </a:extLst>
+            </p:cNvPr>
+            <p:cNvSpPr/>
+            <p:nvPr/>
+          </p:nvSpPr>
+          <p:spPr>
+            <a:xfrm>
+              <a:off x="4826001" y="1982788"/>
+              <a:ext cx="1968500" cy="965200"/>
+            </a:xfrm>
+            <a:prstGeom prst="rect">
+              <a:avLst/>
+            </a:prstGeom>
+          </p:spPr>
+          <p:style>
+            <a:lnRef idx="2">
+              <a:schemeClr val="accent1">
+                <a:shade val="50000"/>
+              </a:schemeClr>
+            </a:lnRef>
+            <a:fillRef idx="1">
+              <a:schemeClr val="accent1"/>
+            </a:fillRef>
+            <a:effectRef idx="0">
+              <a:schemeClr val="accent1"/>
+            </a:effectRef>
+            <a:fontRef idx="minor">
+              <a:schemeClr val="lt1"/>
+            </a:fontRef>
+          </p:style>
+          <p:txBody>
+            <a:bodyPr rtlCol="0" anchor="ctr"/>
+            <a:lstStyle/>
+            <a:p>
+              <a:pPr algn="ctr"/>
+              <a:r>
+                <a:rPr lang="nl-NL" sz="3200" dirty="0"/>
+                <a:t>VGG16</a:t>
+              </a:r>
+            </a:p>
+          </p:txBody>
+        </p:sp>
+        <p:sp>
+          <p:nvSpPr>
+            <p:cNvPr id="6" name="Rechthoek 5">
+              <a:extLst>
+                <a:ext uri="{FF2B5EF4-FFF2-40B4-BE49-F238E27FC236}">
+                  <a16:creationId xmlns:a16="http://schemas.microsoft.com/office/drawing/2014/main" id="{37C13B36-60B1-40B2-A463-50B552F9EA6E}"/>
+                </a:ext>
+              </a:extLst>
+            </p:cNvPr>
+            <p:cNvSpPr/>
+            <p:nvPr/>
+          </p:nvSpPr>
+          <p:spPr>
+            <a:xfrm>
+              <a:off x="7391400" y="1982788"/>
+              <a:ext cx="1968500" cy="965200"/>
+            </a:xfrm>
+            <a:prstGeom prst="rect">
+              <a:avLst/>
+            </a:prstGeom>
+          </p:spPr>
+          <p:style>
+            <a:lnRef idx="2">
+              <a:schemeClr val="accent1">
+                <a:shade val="50000"/>
+              </a:schemeClr>
+            </a:lnRef>
+            <a:fillRef idx="1">
+              <a:schemeClr val="accent1"/>
+            </a:fillRef>
+            <a:effectRef idx="0">
+              <a:schemeClr val="accent1"/>
+            </a:effectRef>
+            <a:fontRef idx="minor">
+              <a:schemeClr val="lt1"/>
+            </a:fontRef>
+          </p:style>
+          <p:txBody>
+            <a:bodyPr rtlCol="0" anchor="ctr"/>
+            <a:lstStyle/>
+            <a:p>
+              <a:pPr algn="ctr"/>
+              <a:r>
+                <a:rPr lang="nl-NL" sz="3200" dirty="0"/>
+                <a:t>ResNet-50</a:t>
+              </a:r>
+            </a:p>
+          </p:txBody>
+        </p:sp>
+      </p:grpSp>
+      <p:sp>
+        <p:nvSpPr>
+          <p:cNvPr id="4" name="Pijl: omlaag 3">
+            <a:extLst>
+              <a:ext uri="{FF2B5EF4-FFF2-40B4-BE49-F238E27FC236}">
+                <a16:creationId xmlns:a16="http://schemas.microsoft.com/office/drawing/2014/main" id="{E512191E-CFA0-4ED4-B24C-62F74D270686}"/>
+              </a:ext>
+            </a:extLst>
+          </p:cNvPr>
+          <p:cNvSpPr/>
+          <p:nvPr/>
+        </p:nvSpPr>
+        <p:spPr>
+          <a:xfrm>
+            <a:off x="3130550" y="3429000"/>
+            <a:ext cx="622300" cy="825500"/>
+          </a:xfrm>
+          <a:prstGeom prst="downArrow">
+            <a:avLst/>
+          </a:prstGeom>
+        </p:spPr>
+        <p:style>
+          <a:lnRef idx="2">
+            <a:schemeClr val="accent1">
+              <a:shade val="50000"/>
+            </a:schemeClr>
+          </a:lnRef>
+          <a:fillRef idx="1">
+            <a:schemeClr val="accent1"/>
+          </a:fillRef>
+          <a:effectRef idx="0">
+            <a:schemeClr val="accent1"/>
+          </a:effectRef>
+          <a:fontRef idx="minor">
+            <a:schemeClr val="lt1"/>
+          </a:fontRef>
+        </p:style>
+        <p:txBody>
+          <a:bodyPr rtlCol="0" anchor="ctr"/>
+          <a:lstStyle/>
+          <a:p>
+            <a:pPr algn="ctr"/>
+            <a:endParaRPr lang="nl-NL"/>
+          </a:p>
+        </p:txBody>
+      </p:sp>
+      <p:sp>
+        <p:nvSpPr>
+          <p:cNvPr id="15" name="Pijl: omlaag 14">
+            <a:extLst>
+              <a:ext uri="{FF2B5EF4-FFF2-40B4-BE49-F238E27FC236}">
+                <a16:creationId xmlns:a16="http://schemas.microsoft.com/office/drawing/2014/main" id="{0643CB0C-57B4-42AF-BB30-317CABCE8050}"/>
+              </a:ext>
+            </a:extLst>
+          </p:cNvPr>
+          <p:cNvSpPr/>
+          <p:nvPr/>
+        </p:nvSpPr>
+        <p:spPr>
+          <a:xfrm>
+            <a:off x="5873750" y="3429000"/>
+            <a:ext cx="622300" cy="825500"/>
+          </a:xfrm>
+          <a:prstGeom prst="downArrow">
+            <a:avLst/>
+          </a:prstGeom>
+        </p:spPr>
+        <p:style>
+          <a:lnRef idx="2">
+            <a:schemeClr val="accent1">
+              <a:shade val="50000"/>
+            </a:schemeClr>
+          </a:lnRef>
+          <a:fillRef idx="1">
+            <a:schemeClr val="accent1"/>
+          </a:fillRef>
+          <a:effectRef idx="0">
+            <a:schemeClr val="accent1"/>
+          </a:effectRef>
+          <a:fontRef idx="minor">
+            <a:schemeClr val="lt1"/>
+          </a:fontRef>
+        </p:style>
+        <p:txBody>
+          <a:bodyPr rtlCol="0" anchor="ctr"/>
+          <a:lstStyle/>
+          <a:p>
+            <a:pPr algn="ctr"/>
+            <a:endParaRPr lang="nl-NL"/>
+          </a:p>
+        </p:txBody>
+      </p:sp>
+      <p:sp>
+        <p:nvSpPr>
+          <p:cNvPr id="16" name="Pijl: omlaag 15">
+            <a:extLst>
+              <a:ext uri="{FF2B5EF4-FFF2-40B4-BE49-F238E27FC236}">
+                <a16:creationId xmlns:a16="http://schemas.microsoft.com/office/drawing/2014/main" id="{5D34CC95-8829-45F0-BCD6-F074F1B5F05C}"/>
+              </a:ext>
+            </a:extLst>
+          </p:cNvPr>
+          <p:cNvSpPr/>
+          <p:nvPr/>
+        </p:nvSpPr>
+        <p:spPr>
+          <a:xfrm>
+            <a:off x="8439152" y="3429000"/>
+            <a:ext cx="622300" cy="825500"/>
+          </a:xfrm>
+          <a:prstGeom prst="downArrow">
+            <a:avLst/>
+          </a:prstGeom>
+        </p:spPr>
+        <p:style>
+          <a:lnRef idx="2">
+            <a:schemeClr val="accent1">
+              <a:shade val="50000"/>
+            </a:schemeClr>
+          </a:lnRef>
+          <a:fillRef idx="1">
+            <a:schemeClr val="accent1"/>
+          </a:fillRef>
+          <a:effectRef idx="0">
+            <a:schemeClr val="accent1"/>
+          </a:effectRef>
+          <a:fontRef idx="minor">
+            <a:schemeClr val="lt1"/>
+          </a:fontRef>
+        </p:style>
+        <p:txBody>
+          <a:bodyPr rtlCol="0" anchor="ctr"/>
+          <a:lstStyle/>
+          <a:p>
+            <a:pPr algn="ctr"/>
+            <a:endParaRPr lang="nl-NL"/>
+          </a:p>
+        </p:txBody>
+      </p:sp>
+      <p:grpSp>
+        <p:nvGrpSpPr>
+          <p:cNvPr id="17" name="Groep 16">
+            <a:extLst>
+              <a:ext uri="{FF2B5EF4-FFF2-40B4-BE49-F238E27FC236}">
+                <a16:creationId xmlns:a16="http://schemas.microsoft.com/office/drawing/2014/main" id="{ADFB9FA0-EDFC-4D9A-8302-A4AABFCDDD5C}"/>
+              </a:ext>
+            </a:extLst>
+          </p:cNvPr>
+          <p:cNvGrpSpPr/>
+          <p:nvPr/>
+        </p:nvGrpSpPr>
+        <p:grpSpPr>
+          <a:xfrm>
+            <a:off x="2457450" y="4751388"/>
+            <a:ext cx="7277099" cy="965200"/>
+            <a:chOff x="2082801" y="1982788"/>
+            <a:chExt cx="7277099" cy="965200"/>
+          </a:xfrm>
+        </p:grpSpPr>
+        <p:sp>
+          <p:nvSpPr>
+            <p:cNvPr id="18" name="Rechthoek 17">
+              <a:extLst>
+                <a:ext uri="{FF2B5EF4-FFF2-40B4-BE49-F238E27FC236}">
+                  <a16:creationId xmlns:a16="http://schemas.microsoft.com/office/drawing/2014/main" id="{18A1F133-C2DB-49C1-B757-65210563B798}"/>
+                </a:ext>
+              </a:extLst>
+            </p:cNvPr>
+            <p:cNvSpPr/>
+            <p:nvPr/>
+          </p:nvSpPr>
+          <p:spPr>
+            <a:xfrm>
+              <a:off x="2082801" y="1982788"/>
+              <a:ext cx="1968500" cy="965200"/>
+            </a:xfrm>
+            <a:prstGeom prst="rect">
+              <a:avLst/>
+            </a:prstGeom>
+          </p:spPr>
+          <p:style>
+            <a:lnRef idx="2">
+              <a:schemeClr val="accent1">
+                <a:shade val="50000"/>
+              </a:schemeClr>
+            </a:lnRef>
+            <a:fillRef idx="1">
+              <a:schemeClr val="accent1"/>
+            </a:fillRef>
+            <a:effectRef idx="0">
+              <a:schemeClr val="accent1"/>
+            </a:effectRef>
+            <a:fontRef idx="minor">
+              <a:schemeClr val="lt1"/>
+            </a:fontRef>
+          </p:style>
+          <p:txBody>
+            <a:bodyPr rtlCol="0" anchor="ctr"/>
+            <a:lstStyle/>
+            <a:p>
+              <a:pPr algn="ctr"/>
+              <a:r>
+                <a:rPr lang="nl-NL" sz="3200" dirty="0"/>
+                <a:t>0.56</a:t>
+              </a:r>
+            </a:p>
+          </p:txBody>
+        </p:sp>
+        <p:sp>
+          <p:nvSpPr>
+            <p:cNvPr id="19" name="Rechthoek 18">
+              <a:extLst>
+                <a:ext uri="{FF2B5EF4-FFF2-40B4-BE49-F238E27FC236}">
+                  <a16:creationId xmlns:a16="http://schemas.microsoft.com/office/drawing/2014/main" id="{7EA3ECBF-B398-422C-9BC6-733ED2AC88D1}"/>
+                </a:ext>
+              </a:extLst>
+            </p:cNvPr>
+            <p:cNvSpPr/>
+            <p:nvPr/>
+          </p:nvSpPr>
+          <p:spPr>
+            <a:xfrm>
+              <a:off x="4826001" y="1982788"/>
+              <a:ext cx="1968500" cy="965200"/>
+            </a:xfrm>
+            <a:prstGeom prst="rect">
+              <a:avLst/>
+            </a:prstGeom>
+          </p:spPr>
+          <p:style>
+            <a:lnRef idx="2">
+              <a:schemeClr val="accent1">
+                <a:shade val="50000"/>
+              </a:schemeClr>
+            </a:lnRef>
+            <a:fillRef idx="1">
+              <a:schemeClr val="accent1"/>
+            </a:fillRef>
+            <a:effectRef idx="0">
+              <a:schemeClr val="accent1"/>
+            </a:effectRef>
+            <a:fontRef idx="minor">
+              <a:schemeClr val="lt1"/>
+            </a:fontRef>
+          </p:style>
+          <p:txBody>
+            <a:bodyPr rtlCol="0" anchor="ctr"/>
+            <a:lstStyle/>
+            <a:p>
+              <a:pPr algn="ctr"/>
+              <a:r>
+                <a:rPr lang="nl-NL" sz="3200" dirty="0"/>
+                <a:t>0.49</a:t>
+              </a:r>
+            </a:p>
+          </p:txBody>
+        </p:sp>
+        <p:sp>
+          <p:nvSpPr>
+            <p:cNvPr id="20" name="Rechthoek 19">
+              <a:extLst>
+                <a:ext uri="{FF2B5EF4-FFF2-40B4-BE49-F238E27FC236}">
+                  <a16:creationId xmlns:a16="http://schemas.microsoft.com/office/drawing/2014/main" id="{5138E37A-E15D-485C-BCFE-4333863E1BFD}"/>
+                </a:ext>
+              </a:extLst>
+            </p:cNvPr>
+            <p:cNvSpPr/>
+            <p:nvPr/>
+          </p:nvSpPr>
+          <p:spPr>
+            <a:xfrm>
+              <a:off x="7391400" y="1982788"/>
+              <a:ext cx="1968500" cy="965200"/>
+            </a:xfrm>
+            <a:prstGeom prst="rect">
+              <a:avLst/>
+            </a:prstGeom>
+          </p:spPr>
+          <p:style>
+            <a:lnRef idx="2">
+              <a:schemeClr val="accent1">
+                <a:shade val="50000"/>
+              </a:schemeClr>
+            </a:lnRef>
+            <a:fillRef idx="1">
+              <a:schemeClr val="accent1"/>
+            </a:fillRef>
+            <a:effectRef idx="0">
+              <a:schemeClr val="accent1"/>
+            </a:effectRef>
+            <a:fontRef idx="minor">
+              <a:schemeClr val="lt1"/>
+            </a:fontRef>
+          </p:style>
+          <p:txBody>
+            <a:bodyPr rtlCol="0" anchor="ctr"/>
+            <a:lstStyle/>
+            <a:p>
+              <a:pPr algn="ctr"/>
+              <a:r>
+                <a:rPr lang="nl-NL" sz="3200" dirty="0"/>
+                <a:t>0.56</a:t>
+              </a:r>
+            </a:p>
+          </p:txBody>
+        </p:sp>
+      </p:grpSp>
+    </p:spTree>
+    <p:extLst>
+      <p:ext uri="{BB962C8B-B14F-4D97-AF65-F5344CB8AC3E}">
+        <p14:creationId xmlns:p14="http://schemas.microsoft.com/office/powerpoint/2010/main" val="1179796675"/>
+      </p:ext>
+    </p:extLst>
+  </p:cSld>
+  <p:clrMapOvr>
+    <a:masterClrMapping/>
+  </p:clrMapOvr>
+</p:sld>
+</file>
+
+<file path=ppt/slides/slide8.xml><?xml version="1.0" encoding="utf-8"?>
 <p:sld xmlns:a="http://schemas.openxmlformats.org/drawingml/2006/main" xmlns:r="http://schemas.openxmlformats.org/officeDocument/2006/relationships" xmlns:p="http://schemas.openxmlformats.org/presentationml/2006/main">
   <p:cSld>
     <p:spTree>
@@ -7864,10 +8353,10 @@
       </p:pic>
       <p:pic>
         <p:nvPicPr>
-          <p:cNvPr id="2056" name="Picture 8">
-            <a:extLst>
-              <a:ext uri="{FF2B5EF4-FFF2-40B4-BE49-F238E27FC236}">
-                <a16:creationId xmlns:a16="http://schemas.microsoft.com/office/drawing/2014/main" id="{F93EE27D-67C6-40F1-A34B-3C115D3094C9}"/>
+          <p:cNvPr id="2062" name="Picture 14">
+            <a:extLst>
+              <a:ext uri="{FF2B5EF4-FFF2-40B4-BE49-F238E27FC236}">
+                <a16:creationId xmlns:a16="http://schemas.microsoft.com/office/drawing/2014/main" id="{807A52FF-5014-4637-9105-045795D71D14}"/>
               </a:ext>
             </a:extLst>
           </p:cNvPr>
@@ -7878,147 +8367,6 @@
         </p:nvPicPr>
         <p:blipFill>
           <a:blip r:embed="rId5">
-            <a:extLst>
-              <a:ext uri="{28A0092B-C50C-407E-A947-70E740481C1C}">
-                <a14:useLocalDpi xmlns:a14="http://schemas.microsoft.com/office/drawing/2010/main" val="0"/>
-              </a:ext>
-            </a:extLst>
-          </a:blip>
-          <a:srcRect/>
-          <a:stretch>
-            <a:fillRect/>
-          </a:stretch>
-        </p:blipFill>
-        <p:spPr bwMode="auto">
-          <a:xfrm>
-            <a:off x="7367590" y="2185988"/>
-            <a:ext cx="1519236" cy="1519236"/>
-          </a:xfrm>
-          <a:prstGeom prst="rect">
-            <a:avLst/>
-          </a:prstGeom>
-          <a:noFill/>
-          <a:extLst>
-            <a:ext uri="{909E8E84-426E-40DD-AFC4-6F175D3DCCD1}">
-              <a14:hiddenFill xmlns:a14="http://schemas.microsoft.com/office/drawing/2010/main">
-                <a:solidFill>
-                  <a:srgbClr val="FFFFFF"/>
-                </a:solidFill>
-              </a14:hiddenFill>
-            </a:ext>
-          </a:extLst>
-        </p:spPr>
-      </p:pic>
-      <p:pic>
-        <p:nvPicPr>
-          <p:cNvPr id="2058" name="Picture 10">
-            <a:extLst>
-              <a:ext uri="{FF2B5EF4-FFF2-40B4-BE49-F238E27FC236}">
-                <a16:creationId xmlns:a16="http://schemas.microsoft.com/office/drawing/2014/main" id="{615198A6-0037-4EBE-8FDF-2BF093841A7C}"/>
-              </a:ext>
-            </a:extLst>
-          </p:cNvPr>
-          <p:cNvPicPr>
-            <a:picLocks noChangeAspect="1" noChangeArrowheads="1"/>
-          </p:cNvPicPr>
-          <p:nvPr/>
-        </p:nvPicPr>
-        <p:blipFill>
-          <a:blip r:embed="rId6">
-            <a:extLst>
-              <a:ext uri="{28A0092B-C50C-407E-A947-70E740481C1C}">
-                <a14:useLocalDpi xmlns:a14="http://schemas.microsoft.com/office/drawing/2010/main" val="0"/>
-              </a:ext>
-            </a:extLst>
-          </a:blip>
-          <a:srcRect/>
-          <a:stretch>
-            <a:fillRect/>
-          </a:stretch>
-        </p:blipFill>
-        <p:spPr bwMode="auto">
-          <a:xfrm>
-            <a:off x="7367590" y="3705224"/>
-            <a:ext cx="1519237" cy="1519237"/>
-          </a:xfrm>
-          <a:prstGeom prst="rect">
-            <a:avLst/>
-          </a:prstGeom>
-          <a:noFill/>
-          <a:extLst>
-            <a:ext uri="{909E8E84-426E-40DD-AFC4-6F175D3DCCD1}">
-              <a14:hiddenFill xmlns:a14="http://schemas.microsoft.com/office/drawing/2010/main">
-                <a:solidFill>
-                  <a:srgbClr val="FFFFFF"/>
-                </a:solidFill>
-              </a14:hiddenFill>
-            </a:ext>
-          </a:extLst>
-        </p:spPr>
-      </p:pic>
-      <p:pic>
-        <p:nvPicPr>
-          <p:cNvPr id="2060" name="Picture 12">
-            <a:extLst>
-              <a:ext uri="{FF2B5EF4-FFF2-40B4-BE49-F238E27FC236}">
-                <a16:creationId xmlns:a16="http://schemas.microsoft.com/office/drawing/2014/main" id="{5CB41413-4C6A-492F-B9C6-70F38C0BA404}"/>
-              </a:ext>
-            </a:extLst>
-          </p:cNvPr>
-          <p:cNvPicPr>
-            <a:picLocks noChangeAspect="1" noChangeArrowheads="1"/>
-          </p:cNvPicPr>
-          <p:nvPr/>
-        </p:nvPicPr>
-        <p:blipFill>
-          <a:blip r:embed="rId7">
-            <a:extLst>
-              <a:ext uri="{28A0092B-C50C-407E-A947-70E740481C1C}">
-                <a14:useLocalDpi xmlns:a14="http://schemas.microsoft.com/office/drawing/2010/main" val="0"/>
-              </a:ext>
-            </a:extLst>
-          </a:blip>
-          <a:srcRect/>
-          <a:stretch>
-            <a:fillRect/>
-          </a:stretch>
-        </p:blipFill>
-        <p:spPr bwMode="auto">
-          <a:xfrm>
-            <a:off x="7367589" y="5224461"/>
-            <a:ext cx="1519236" cy="1519236"/>
-          </a:xfrm>
-          <a:prstGeom prst="rect">
-            <a:avLst/>
-          </a:prstGeom>
-          <a:noFill/>
-          <a:extLst>
-            <a:ext uri="{909E8E84-426E-40DD-AFC4-6F175D3DCCD1}">
-              <a14:hiddenFill xmlns:a14="http://schemas.microsoft.com/office/drawing/2010/main">
-                <a:solidFill>
-                  <a:srgbClr val="FFFFFF"/>
-                </a:solidFill>
-              </a14:hiddenFill>
-            </a:ext>
-          </a:extLst>
-        </p:spPr>
-      </p:pic>
-      <p:pic>
-        <p:nvPicPr>
-          <p:cNvPr id="2062" name="Picture 14">
-            <a:extLst>
-              <a:ext uri="{FF2B5EF4-FFF2-40B4-BE49-F238E27FC236}">
-                <a16:creationId xmlns:a16="http://schemas.microsoft.com/office/drawing/2014/main" id="{807A52FF-5014-4637-9105-045795D71D14}"/>
-              </a:ext>
-            </a:extLst>
-          </p:cNvPr>
-          <p:cNvPicPr>
-            <a:picLocks noChangeAspect="1" noChangeArrowheads="1"/>
-          </p:cNvPicPr>
-          <p:nvPr/>
-        </p:nvPicPr>
-        <p:blipFill>
-          <a:blip r:embed="rId8">
             <a:extLst>
               <a:ext uri="{28A0092B-C50C-407E-A947-70E740481C1C}">
                 <a14:useLocalDpi xmlns:a14="http://schemas.microsoft.com/office/drawing/2010/main" val="0"/>
@@ -8065,7 +8413,7 @@
           <p:nvPr/>
         </p:nvPicPr>
         <p:blipFill>
-          <a:blip r:embed="rId9">
+          <a:blip r:embed="rId6">
             <a:extLst>
               <a:ext uri="{28A0092B-C50C-407E-A947-70E740481C1C}">
                 <a14:useLocalDpi xmlns:a14="http://schemas.microsoft.com/office/drawing/2010/main" val="0"/>
@@ -8112,7 +8460,7 @@
           <p:nvPr/>
         </p:nvPicPr>
         <p:blipFill>
-          <a:blip r:embed="rId10">
+          <a:blip r:embed="rId7">
             <a:extLst>
               <a:ext uri="{28A0092B-C50C-407E-A947-70E740481C1C}">
                 <a14:useLocalDpi xmlns:a14="http://schemas.microsoft.com/office/drawing/2010/main" val="0"/>
@@ -8300,11 +8648,152 @@
             <a:pPr algn="ctr"/>
             <a:r>
               <a:rPr lang="nl-NL" dirty="0"/>
-              <a:t>(15%)</a:t>
+              <a:t>(56%)</a:t>
             </a:r>
           </a:p>
         </p:txBody>
       </p:sp>
+      <p:pic>
+        <p:nvPicPr>
+          <p:cNvPr id="1026" name="Picture 2">
+            <a:extLst>
+              <a:ext uri="{FF2B5EF4-FFF2-40B4-BE49-F238E27FC236}">
+                <a16:creationId xmlns:a16="http://schemas.microsoft.com/office/drawing/2014/main" id="{71005FF7-CA8D-46E2-B256-BEE37F1634FF}"/>
+              </a:ext>
+            </a:extLst>
+          </p:cNvPr>
+          <p:cNvPicPr>
+            <a:picLocks noChangeAspect="1" noChangeArrowheads="1"/>
+          </p:cNvPicPr>
+          <p:nvPr/>
+        </p:nvPicPr>
+        <p:blipFill>
+          <a:blip r:embed="rId8">
+            <a:extLst>
+              <a:ext uri="{28A0092B-C50C-407E-A947-70E740481C1C}">
+                <a14:useLocalDpi xmlns:a14="http://schemas.microsoft.com/office/drawing/2010/main" val="0"/>
+              </a:ext>
+            </a:extLst>
+          </a:blip>
+          <a:srcRect/>
+          <a:stretch>
+            <a:fillRect/>
+          </a:stretch>
+        </p:blipFill>
+        <p:spPr bwMode="auto">
+          <a:xfrm>
+            <a:off x="7367589" y="2185986"/>
+            <a:ext cx="1519236" cy="1519236"/>
+          </a:xfrm>
+          <a:prstGeom prst="rect">
+            <a:avLst/>
+          </a:prstGeom>
+          <a:noFill/>
+          <a:extLst>
+            <a:ext uri="{909E8E84-426E-40DD-AFC4-6F175D3DCCD1}">
+              <a14:hiddenFill xmlns:a14="http://schemas.microsoft.com/office/drawing/2010/main">
+                <a:solidFill>
+                  <a:srgbClr val="FFFFFF"/>
+                </a:solidFill>
+              </a14:hiddenFill>
+            </a:ext>
+          </a:extLst>
+        </p:spPr>
+      </p:pic>
+      <p:pic>
+        <p:nvPicPr>
+          <p:cNvPr id="1028" name="Picture 4">
+            <a:extLst>
+              <a:ext uri="{FF2B5EF4-FFF2-40B4-BE49-F238E27FC236}">
+                <a16:creationId xmlns:a16="http://schemas.microsoft.com/office/drawing/2014/main" id="{D522617F-D992-4816-AEE3-AE8D6E86A66D}"/>
+              </a:ext>
+            </a:extLst>
+          </p:cNvPr>
+          <p:cNvPicPr>
+            <a:picLocks noChangeAspect="1" noChangeArrowheads="1"/>
+          </p:cNvPicPr>
+          <p:nvPr/>
+        </p:nvPicPr>
+        <p:blipFill>
+          <a:blip r:embed="rId9">
+            <a:extLst>
+              <a:ext uri="{28A0092B-C50C-407E-A947-70E740481C1C}">
+                <a14:useLocalDpi xmlns:a14="http://schemas.microsoft.com/office/drawing/2010/main" val="0"/>
+              </a:ext>
+            </a:extLst>
+          </a:blip>
+          <a:srcRect/>
+          <a:stretch>
+            <a:fillRect/>
+          </a:stretch>
+        </p:blipFill>
+        <p:spPr bwMode="auto">
+          <a:xfrm>
+            <a:off x="7367588" y="3705222"/>
+            <a:ext cx="1519237" cy="1519237"/>
+          </a:xfrm>
+          <a:prstGeom prst="rect">
+            <a:avLst/>
+          </a:prstGeom>
+          <a:noFill/>
+          <a:extLst>
+            <a:ext uri="{909E8E84-426E-40DD-AFC4-6F175D3DCCD1}">
+              <a14:hiddenFill xmlns:a14="http://schemas.microsoft.com/office/drawing/2010/main">
+                <a:solidFill>
+                  <a:srgbClr val="FFFFFF"/>
+                </a:solidFill>
+              </a14:hiddenFill>
+            </a:ext>
+          </a:extLst>
+        </p:spPr>
+      </p:pic>
+      <p:pic>
+        <p:nvPicPr>
+          <p:cNvPr id="1030" name="Picture 6">
+            <a:extLst>
+              <a:ext uri="{FF2B5EF4-FFF2-40B4-BE49-F238E27FC236}">
+                <a16:creationId xmlns:a16="http://schemas.microsoft.com/office/drawing/2014/main" id="{AC47CBE9-75EB-486B-811A-B9820AD23229}"/>
+              </a:ext>
+            </a:extLst>
+          </p:cNvPr>
+          <p:cNvPicPr>
+            <a:picLocks noChangeAspect="1" noChangeArrowheads="1"/>
+          </p:cNvPicPr>
+          <p:nvPr/>
+        </p:nvPicPr>
+        <p:blipFill>
+          <a:blip r:embed="rId10">
+            <a:extLst>
+              <a:ext uri="{28A0092B-C50C-407E-A947-70E740481C1C}">
+                <a14:useLocalDpi xmlns:a14="http://schemas.microsoft.com/office/drawing/2010/main" val="0"/>
+              </a:ext>
+            </a:extLst>
+          </a:blip>
+          <a:srcRect/>
+          <a:stretch>
+            <a:fillRect/>
+          </a:stretch>
+        </p:blipFill>
+        <p:spPr bwMode="auto">
+          <a:xfrm>
+            <a:off x="7367589" y="5224459"/>
+            <a:ext cx="1519236" cy="1519236"/>
+          </a:xfrm>
+          <a:prstGeom prst="rect">
+            <a:avLst/>
+          </a:prstGeom>
+          <a:noFill/>
+          <a:extLst>
+            <a:ext uri="{909E8E84-426E-40DD-AFC4-6F175D3DCCD1}">
+              <a14:hiddenFill xmlns:a14="http://schemas.microsoft.com/office/drawing/2010/main">
+                <a:solidFill>
+                  <a:srgbClr val="FFFFFF"/>
+                </a:solidFill>
+              </a14:hiddenFill>
+            </a:ext>
+          </a:extLst>
+        </p:spPr>
+      </p:pic>
     </p:spTree>
     <p:extLst>
       <p:ext uri="{BB962C8B-B14F-4D97-AF65-F5344CB8AC3E}">
@@ -8318,7 +8807,7 @@
 </p:sld>
 </file>
 
-<file path=ppt/slides/slide7.xml><?xml version="1.0" encoding="utf-8"?>
+<file path=ppt/slides/slide9.xml><?xml version="1.0" encoding="utf-8"?>
 <p:sld xmlns:a="http://schemas.openxmlformats.org/drawingml/2006/main" xmlns:r="http://schemas.openxmlformats.org/officeDocument/2006/relationships" xmlns:p="http://schemas.openxmlformats.org/presentationml/2006/main">
   <p:cSld>
     <p:spTree>

--- a/final-paper/presentation.pptx
+++ b/final-paper/presentation.pptx
@@ -267,7 +267,7 @@
           <a:p>
             <a:fld id="{C70F2AAC-11D6-4BDF-B217-4752CAD904E1}" type="datetimeFigureOut">
               <a:rPr lang="nl-NL" smtClean="0"/>
-              <a:t>13-4-2020</a:t>
+              <a:t>14-4-2020</a:t>
             </a:fld>
             <a:endParaRPr lang="nl-NL" dirty="0"/>
           </a:p>
@@ -321,7 +321,7 @@
           <a:p>
             <a:fld id="{EAE56F0F-D680-4283-B20F-03857F50DE1D}" type="slidenum">
               <a:rPr lang="nl-NL" smtClean="0"/>
-              <a:t>‹nr.›</a:t>
+              <a:t>‹#›</a:t>
             </a:fld>
             <a:endParaRPr lang="nl-NL" dirty="0"/>
           </a:p>
@@ -465,7 +465,7 @@
           <a:p>
             <a:fld id="{C70F2AAC-11D6-4BDF-B217-4752CAD904E1}" type="datetimeFigureOut">
               <a:rPr lang="nl-NL" smtClean="0"/>
-              <a:t>13-4-2020</a:t>
+              <a:t>14-4-2020</a:t>
             </a:fld>
             <a:endParaRPr lang="nl-NL" dirty="0"/>
           </a:p>
@@ -519,7 +519,7 @@
           <a:p>
             <a:fld id="{EAE56F0F-D680-4283-B20F-03857F50DE1D}" type="slidenum">
               <a:rPr lang="nl-NL" smtClean="0"/>
-              <a:t>‹nr.›</a:t>
+              <a:t>‹#›</a:t>
             </a:fld>
             <a:endParaRPr lang="nl-NL" dirty="0"/>
           </a:p>
@@ -673,7 +673,7 @@
           <a:p>
             <a:fld id="{C70F2AAC-11D6-4BDF-B217-4752CAD904E1}" type="datetimeFigureOut">
               <a:rPr lang="nl-NL" smtClean="0"/>
-              <a:t>13-4-2020</a:t>
+              <a:t>14-4-2020</a:t>
             </a:fld>
             <a:endParaRPr lang="nl-NL" dirty="0"/>
           </a:p>
@@ -727,7 +727,7 @@
           <a:p>
             <a:fld id="{EAE56F0F-D680-4283-B20F-03857F50DE1D}" type="slidenum">
               <a:rPr lang="nl-NL" smtClean="0"/>
-              <a:t>‹nr.›</a:t>
+              <a:t>‹#›</a:t>
             </a:fld>
             <a:endParaRPr lang="nl-NL" dirty="0"/>
           </a:p>
@@ -871,7 +871,7 @@
           <a:p>
             <a:fld id="{C70F2AAC-11D6-4BDF-B217-4752CAD904E1}" type="datetimeFigureOut">
               <a:rPr lang="nl-NL" smtClean="0"/>
-              <a:t>13-4-2020</a:t>
+              <a:t>14-4-2020</a:t>
             </a:fld>
             <a:endParaRPr lang="nl-NL" dirty="0"/>
           </a:p>
@@ -925,7 +925,7 @@
           <a:p>
             <a:fld id="{EAE56F0F-D680-4283-B20F-03857F50DE1D}" type="slidenum">
               <a:rPr lang="nl-NL" smtClean="0"/>
-              <a:t>‹nr.›</a:t>
+              <a:t>‹#›</a:t>
             </a:fld>
             <a:endParaRPr lang="nl-NL" dirty="0"/>
           </a:p>
@@ -1146,7 +1146,7 @@
           <a:p>
             <a:fld id="{C70F2AAC-11D6-4BDF-B217-4752CAD904E1}" type="datetimeFigureOut">
               <a:rPr lang="nl-NL" smtClean="0"/>
-              <a:t>13-4-2020</a:t>
+              <a:t>14-4-2020</a:t>
             </a:fld>
             <a:endParaRPr lang="nl-NL" dirty="0"/>
           </a:p>
@@ -1200,7 +1200,7 @@
           <a:p>
             <a:fld id="{EAE56F0F-D680-4283-B20F-03857F50DE1D}" type="slidenum">
               <a:rPr lang="nl-NL" smtClean="0"/>
-              <a:t>‹nr.›</a:t>
+              <a:t>‹#›</a:t>
             </a:fld>
             <a:endParaRPr lang="nl-NL" dirty="0"/>
           </a:p>
@@ -1411,7 +1411,7 @@
           <a:p>
             <a:fld id="{C70F2AAC-11D6-4BDF-B217-4752CAD904E1}" type="datetimeFigureOut">
               <a:rPr lang="nl-NL" smtClean="0"/>
-              <a:t>13-4-2020</a:t>
+              <a:t>14-4-2020</a:t>
             </a:fld>
             <a:endParaRPr lang="nl-NL" dirty="0"/>
           </a:p>
@@ -1465,7 +1465,7 @@
           <a:p>
             <a:fld id="{EAE56F0F-D680-4283-B20F-03857F50DE1D}" type="slidenum">
               <a:rPr lang="nl-NL" smtClean="0"/>
-              <a:t>‹nr.›</a:t>
+              <a:t>‹#›</a:t>
             </a:fld>
             <a:endParaRPr lang="nl-NL" dirty="0"/>
           </a:p>
@@ -1823,7 +1823,7 @@
           <a:p>
             <a:fld id="{C70F2AAC-11D6-4BDF-B217-4752CAD904E1}" type="datetimeFigureOut">
               <a:rPr lang="nl-NL" smtClean="0"/>
-              <a:t>13-4-2020</a:t>
+              <a:t>14-4-2020</a:t>
             </a:fld>
             <a:endParaRPr lang="nl-NL" dirty="0"/>
           </a:p>
@@ -1877,7 +1877,7 @@
           <a:p>
             <a:fld id="{EAE56F0F-D680-4283-B20F-03857F50DE1D}" type="slidenum">
               <a:rPr lang="nl-NL" smtClean="0"/>
-              <a:t>‹nr.›</a:t>
+              <a:t>‹#›</a:t>
             </a:fld>
             <a:endParaRPr lang="nl-NL" dirty="0"/>
           </a:p>
@@ -1964,7 +1964,7 @@
           <a:p>
             <a:fld id="{C70F2AAC-11D6-4BDF-B217-4752CAD904E1}" type="datetimeFigureOut">
               <a:rPr lang="nl-NL" smtClean="0"/>
-              <a:t>13-4-2020</a:t>
+              <a:t>14-4-2020</a:t>
             </a:fld>
             <a:endParaRPr lang="nl-NL" dirty="0"/>
           </a:p>
@@ -2018,7 +2018,7 @@
           <a:p>
             <a:fld id="{EAE56F0F-D680-4283-B20F-03857F50DE1D}" type="slidenum">
               <a:rPr lang="nl-NL" smtClean="0"/>
-              <a:t>‹nr.›</a:t>
+              <a:t>‹#›</a:t>
             </a:fld>
             <a:endParaRPr lang="nl-NL" dirty="0"/>
           </a:p>
@@ -2077,7 +2077,7 @@
           <a:p>
             <a:fld id="{C70F2AAC-11D6-4BDF-B217-4752CAD904E1}" type="datetimeFigureOut">
               <a:rPr lang="nl-NL" smtClean="0"/>
-              <a:t>13-4-2020</a:t>
+              <a:t>14-4-2020</a:t>
             </a:fld>
             <a:endParaRPr lang="nl-NL" dirty="0"/>
           </a:p>
@@ -2131,7 +2131,7 @@
           <a:p>
             <a:fld id="{EAE56F0F-D680-4283-B20F-03857F50DE1D}" type="slidenum">
               <a:rPr lang="nl-NL" smtClean="0"/>
-              <a:t>‹nr.›</a:t>
+              <a:t>‹#›</a:t>
             </a:fld>
             <a:endParaRPr lang="nl-NL" dirty="0"/>
           </a:p>
@@ -2388,7 +2388,7 @@
           <a:p>
             <a:fld id="{C70F2AAC-11D6-4BDF-B217-4752CAD904E1}" type="datetimeFigureOut">
               <a:rPr lang="nl-NL" smtClean="0"/>
-              <a:t>13-4-2020</a:t>
+              <a:t>14-4-2020</a:t>
             </a:fld>
             <a:endParaRPr lang="nl-NL" dirty="0"/>
           </a:p>
@@ -2442,7 +2442,7 @@
           <a:p>
             <a:fld id="{EAE56F0F-D680-4283-B20F-03857F50DE1D}" type="slidenum">
               <a:rPr lang="nl-NL" smtClean="0"/>
-              <a:t>‹nr.›</a:t>
+              <a:t>‹#›</a:t>
             </a:fld>
             <a:endParaRPr lang="nl-NL" dirty="0"/>
           </a:p>
@@ -2676,7 +2676,7 @@
           <a:p>
             <a:fld id="{C70F2AAC-11D6-4BDF-B217-4752CAD904E1}" type="datetimeFigureOut">
               <a:rPr lang="nl-NL" smtClean="0"/>
-              <a:t>13-4-2020</a:t>
+              <a:t>14-4-2020</a:t>
             </a:fld>
             <a:endParaRPr lang="nl-NL" dirty="0"/>
           </a:p>
@@ -2730,7 +2730,7 @@
           <a:p>
             <a:fld id="{EAE56F0F-D680-4283-B20F-03857F50DE1D}" type="slidenum">
               <a:rPr lang="nl-NL" smtClean="0"/>
-              <a:t>‹nr.›</a:t>
+              <a:t>‹#›</a:t>
             </a:fld>
             <a:endParaRPr lang="nl-NL" dirty="0"/>
           </a:p>
@@ -2917,7 +2917,7 @@
           <a:p>
             <a:fld id="{C70F2AAC-11D6-4BDF-B217-4752CAD904E1}" type="datetimeFigureOut">
               <a:rPr lang="nl-NL" smtClean="0"/>
-              <a:t>13-4-2020</a:t>
+              <a:t>14-4-2020</a:t>
             </a:fld>
             <a:endParaRPr lang="nl-NL" dirty="0"/>
           </a:p>
@@ -3007,7 +3007,7 @@
           <a:p>
             <a:fld id="{EAE56F0F-D680-4283-B20F-03857F50DE1D}" type="slidenum">
               <a:rPr lang="nl-NL" smtClean="0"/>
-              <a:t>‹nr.›</a:t>
+              <a:t>‹#›</a:t>
             </a:fld>
             <a:endParaRPr lang="nl-NL" dirty="0"/>
           </a:p>
